--- a/Lectures/PublicKeyLite.pptx
+++ b/Lectures/PublicKeyLite.pptx
@@ -6451,7 +6451,7 @@
                           <a:rPr lang="en-US" sz="2400" b="0" i="1" smtClean="0">
                             <a:latin typeface="Cambria Math" panose="02040503050406030204" pitchFamily="18" charset="0"/>
                           </a:rPr>
-                          <m:t>𝑛</m:t>
+                          <m:t>𝑁</m:t>
                         </m:r>
                       </m:e>
                     </m:d>
@@ -6633,8 +6633,8 @@
           </a:p>
         </p:txBody>
       </p:sp>
-      <mc:AlternateContent xmlns:mc="http://schemas.openxmlformats.org/markup-compatibility/2006">
-        <mc:Choice xmlns:a14="http://schemas.microsoft.com/office/drawing/2010/main" Requires="a14">
+      <mc:AlternateContent xmlns:mc="http://schemas.openxmlformats.org/markup-compatibility/2006" xmlns:a14="http://schemas.microsoft.com/office/drawing/2010/main">
+        <mc:Choice Requires="a14">
           <p:graphicFrame>
             <p:nvGraphicFramePr>
               <p:cNvPr id="5" name="Таблица 4"/>
@@ -7382,7 +7382,7 @@
             </a:graphic>
           </p:graphicFrame>
         </mc:Choice>
-        <mc:Fallback>
+        <mc:Fallback xmlns="">
           <p:graphicFrame>
             <p:nvGraphicFramePr>
               <p:cNvPr id="5" name="Таблица 4"/>
@@ -7568,11 +7568,7 @@
             </a:r>
             <a:r>
               <a:rPr lang="en-US" dirty="0" smtClean="0"/>
-              <a:t>RSA</a:t>
-            </a:r>
-            <a:r>
-              <a:rPr lang="en-US" dirty="0" smtClean="0"/>
-              <a:t>:  OAEP</a:t>
+              <a:t>RSA:  OAEP</a:t>
             </a:r>
             <a:r>
               <a:rPr lang="ru-RU" dirty="0" smtClean="0"/>
@@ -7759,11 +7755,7 @@
             </a:r>
             <a:r>
               <a:rPr lang="en-US" dirty="0" smtClean="0"/>
-              <a:t> </a:t>
-            </a:r>
-            <a:r>
-              <a:rPr lang="en-US" dirty="0" smtClean="0"/>
-              <a:t>SHA-256 </a:t>
+              <a:t> SHA-256 </a:t>
             </a:r>
             <a:r>
               <a:rPr lang="ru-RU" dirty="0" smtClean="0"/>
@@ -7783,11 +7775,7 @@
             </a:r>
             <a:r>
               <a:rPr lang="en-US" dirty="0" smtClean="0"/>
-              <a:t> </a:t>
-            </a:r>
-            <a:r>
-              <a:rPr lang="en-US" dirty="0" smtClean="0"/>
-              <a:t>G</a:t>
+              <a:t> G</a:t>
             </a:r>
             <a:endParaRPr lang="en-US" dirty="0"/>
           </a:p>
@@ -8243,23 +8231,7 @@
                     <a:schemeClr val="bg2"/>
                   </a:solidFill>
                 </a:rPr>
-                <a:t>p</a:t>
-              </a:r>
-              <a:r>
-                <a:rPr lang="en-US" sz="2667" dirty="0">
-                  <a:solidFill>
-                    <a:schemeClr val="bg2"/>
-                  </a:solidFill>
-                </a:rPr>
-                <a:t>laintext </a:t>
-              </a:r>
-              <a:r>
-                <a:rPr lang="en-US" sz="2667" dirty="0">
-                  <a:solidFill>
-                    <a:schemeClr val="bg2"/>
-                  </a:solidFill>
-                </a:rPr>
-                <a:t>to encrypt	with RSA</a:t>
+                <a:t>plaintext to encrypt	with RSA</a:t>
               </a:r>
             </a:p>
           </p:txBody>
@@ -8879,7 +8851,11 @@
                 </a14:m>
                 <a:r>
                   <a:rPr lang="ru-RU" sz="2400" dirty="0" smtClean="0"/>
-                  <a:t> – циклическая группа точек порядка </a:t>
+                  <a:t> – циклическая группа </a:t>
+                </a:r>
+                <a:r>
+                  <a:rPr lang="ru-RU" sz="2400" dirty="0" smtClean="0"/>
+                  <a:t>порядка </a:t>
                 </a:r>
                 <a14:m>
                   <m:oMath xmlns:m="http://schemas.openxmlformats.org/officeDocument/2006/math">
@@ -9421,8 +9397,8 @@
           </a:p>
         </p:txBody>
       </p:sp>
-      <mc:AlternateContent xmlns:mc="http://schemas.openxmlformats.org/markup-compatibility/2006">
-        <mc:Choice xmlns:a14="http://schemas.microsoft.com/office/drawing/2010/main" Requires="a14">
+      <mc:AlternateContent xmlns:mc="http://schemas.openxmlformats.org/markup-compatibility/2006" xmlns:a14="http://schemas.microsoft.com/office/drawing/2010/main">
+        <mc:Choice Requires="a14">
           <p:graphicFrame>
             <p:nvGraphicFramePr>
               <p:cNvPr id="5" name="Таблица 4"/>
@@ -9479,57 +9455,79 @@
                               </m:oMathParaPr>
                               <m:oMath xmlns:m="http://schemas.openxmlformats.org/officeDocument/2006/math">
                                 <m:r>
-                                  <a:rPr lang="en-US" sz="2400" smtClean="0"/>
+                                  <a:rPr lang="en-US" sz="2400" smtClean="0">
+                                    <a:latin typeface="Cambria Math" panose="02040503050406030204" pitchFamily="18" charset="0"/>
+                                  </a:rPr>
                                   <m:t>𝑬</m:t>
                                 </m:r>
                                 <m:d>
                                   <m:dPr>
                                     <m:ctrlPr>
-                                      <a:rPr lang="en-US" sz="2400" smtClean="0"/>
+                                      <a:rPr lang="en-US" sz="2400" i="1" smtClean="0">
+                                        <a:latin typeface="Cambria Math" panose="02040503050406030204" pitchFamily="18" charset="0"/>
+                                      </a:rPr>
                                     </m:ctrlPr>
                                   </m:dPr>
                                   <m:e>
                                     <m:r>
-                                      <a:rPr lang="en-US" sz="2400" smtClean="0"/>
+                                      <a:rPr lang="en-US" sz="2400" smtClean="0">
+                                        <a:latin typeface="Cambria Math" panose="02040503050406030204" pitchFamily="18" charset="0"/>
+                                      </a:rPr>
                                       <m:t>𝑷𝑲</m:t>
                                     </m:r>
                                     <m:r>
-                                      <a:rPr lang="en-US" sz="2400" smtClean="0"/>
+                                      <a:rPr lang="en-US" sz="2400" smtClean="0">
+                                        <a:latin typeface="Cambria Math" panose="02040503050406030204" pitchFamily="18" charset="0"/>
+                                      </a:rPr>
                                       <m:t>=</m:t>
                                     </m:r>
                                     <m:d>
                                       <m:dPr>
                                         <m:ctrlPr>
-                                          <a:rPr lang="en-US" sz="2400" smtClean="0"/>
+                                          <a:rPr lang="en-US" sz="2400" i="1" smtClean="0">
+                                            <a:latin typeface="Cambria Math" panose="02040503050406030204" pitchFamily="18" charset="0"/>
+                                          </a:rPr>
                                         </m:ctrlPr>
                                       </m:dPr>
                                       <m:e>
                                         <m:r>
-                                          <a:rPr lang="en-US" sz="2400" smtClean="0"/>
+                                          <a:rPr lang="en-US" sz="2400" smtClean="0">
+                                            <a:latin typeface="Cambria Math" panose="02040503050406030204" pitchFamily="18" charset="0"/>
+                                          </a:rPr>
                                           <m:t>𝒈</m:t>
                                         </m:r>
                                         <m:r>
-                                          <a:rPr lang="en-US" sz="2400" smtClean="0"/>
+                                          <a:rPr lang="en-US" sz="2400" smtClean="0">
+                                            <a:latin typeface="Cambria Math" panose="02040503050406030204" pitchFamily="18" charset="0"/>
+                                          </a:rPr>
                                           <m:t>,</m:t>
                                         </m:r>
                                         <m:r>
-                                          <a:rPr lang="en-US" sz="2400" smtClean="0"/>
+                                          <a:rPr lang="en-US" sz="2400" smtClean="0">
+                                            <a:latin typeface="Cambria Math" panose="02040503050406030204" pitchFamily="18" charset="0"/>
+                                          </a:rPr>
                                           <m:t>𝒉</m:t>
                                         </m:r>
                                       </m:e>
                                     </m:d>
                                     <m:r>
-                                      <a:rPr lang="en-US" sz="2400" smtClean="0"/>
+                                      <a:rPr lang="en-US" sz="2400" smtClean="0">
+                                        <a:latin typeface="Cambria Math" panose="02040503050406030204" pitchFamily="18" charset="0"/>
+                                      </a:rPr>
                                       <m:t>, </m:t>
                                     </m:r>
                                     <m:r>
-                                      <a:rPr lang="en-US" sz="2400" smtClean="0"/>
+                                      <a:rPr lang="en-US" sz="2400" smtClean="0">
+                                        <a:latin typeface="Cambria Math" panose="02040503050406030204" pitchFamily="18" charset="0"/>
+                                      </a:rPr>
                                       <m:t>𝒎</m:t>
                                     </m:r>
                                   </m:e>
                                 </m:d>
                                 <m:r>
-                                  <a:rPr lang="en-US" sz="2400" smtClean="0"/>
+                                  <a:rPr lang="en-US" sz="2400" smtClean="0">
+                                    <a:latin typeface="Cambria Math" panose="02040503050406030204" pitchFamily="18" charset="0"/>
+                                  </a:rPr>
                                   <m:t>:</m:t>
                                 </m:r>
                               </m:oMath>
@@ -9548,24 +9546,32 @@
                               </m:oMathParaPr>
                               <m:oMath xmlns:m="http://schemas.openxmlformats.org/officeDocument/2006/math">
                                 <m:r>
-                                  <a:rPr lang="en-US" sz="2400" smtClean="0"/>
+                                  <a:rPr lang="en-US" sz="2400" smtClean="0">
+                                    <a:latin typeface="Cambria Math" panose="02040503050406030204" pitchFamily="18" charset="0"/>
+                                  </a:rPr>
                                   <m:t>𝑏</m:t>
                                 </m:r>
                                 <m:sSup>
                                   <m:sSupPr>
                                     <m:ctrlPr>
-                                      <a:rPr lang="en-US" sz="2400" smtClean="0"/>
+                                      <a:rPr lang="en-US" sz="2400" i="1" smtClean="0">
+                                        <a:latin typeface="Cambria Math" panose="02040503050406030204" pitchFamily="18" charset="0"/>
+                                      </a:rPr>
                                     </m:ctrlPr>
                                   </m:sSupPr>
                                   <m:e>
                                     <m:r>
-                                      <a:rPr lang="en-US" sz="2400" smtClean="0"/>
+                                      <a:rPr lang="en-US" sz="2400" smtClean="0">
+                                        <a:latin typeface="Cambria Math" panose="02040503050406030204" pitchFamily="18" charset="0"/>
+                                      </a:rPr>
                                       <m:t>←</m:t>
                                     </m:r>
                                   </m:e>
                                   <m:sup>
                                     <m:r>
-                                      <a:rPr lang="en-US" sz="2400" smtClean="0"/>
+                                      <a:rPr lang="en-US" sz="2400" smtClean="0">
+                                        <a:latin typeface="Cambria Math" panose="02040503050406030204" pitchFamily="18" charset="0"/>
+                                      </a:rPr>
                                       <m:t>𝑅</m:t>
                                     </m:r>
                                   </m:sup>
@@ -9573,80 +9579,110 @@
                                 <m:sSub>
                                   <m:sSubPr>
                                     <m:ctrlPr>
-                                      <a:rPr lang="en-US" sz="2400" smtClean="0"/>
+                                      <a:rPr lang="en-US" sz="2400" i="1" smtClean="0">
+                                        <a:latin typeface="Cambria Math" panose="02040503050406030204" pitchFamily="18" charset="0"/>
+                                      </a:rPr>
                                     </m:ctrlPr>
                                   </m:sSubPr>
                                   <m:e>
                                     <m:r>
-                                      <a:rPr lang="en-US" sz="2400" smtClean="0"/>
+                                      <a:rPr lang="en-US" sz="2400" smtClean="0">
+                                        <a:latin typeface="Cambria Math" panose="02040503050406030204" pitchFamily="18" charset="0"/>
+                                      </a:rPr>
                                       <m:t>𝑍</m:t>
                                     </m:r>
                                   </m:e>
                                   <m:sub>
                                     <m:r>
-                                      <a:rPr lang="en-US" sz="2400" smtClean="0"/>
+                                      <a:rPr lang="en-US" sz="2400" smtClean="0">
+                                        <a:latin typeface="Cambria Math" panose="02040503050406030204" pitchFamily="18" charset="0"/>
+                                      </a:rPr>
                                       <m:t>𝑛</m:t>
                                     </m:r>
                                   </m:sub>
                                 </m:sSub>
                                 <m:r>
-                                  <a:rPr lang="en-US" sz="2400" smtClean="0"/>
+                                  <a:rPr lang="en-US" sz="2400" smtClean="0">
+                                    <a:latin typeface="Cambria Math" panose="02040503050406030204" pitchFamily="18" charset="0"/>
+                                  </a:rPr>
                                   <m:t>, </m:t>
                                 </m:r>
                                 <m:r>
-                                  <a:rPr lang="en-US" sz="2400" smtClean="0"/>
+                                  <a:rPr lang="en-US" sz="2400" smtClean="0">
+                                    <a:latin typeface="Cambria Math" panose="02040503050406030204" pitchFamily="18" charset="0"/>
+                                  </a:rPr>
                                   <m:t>𝑢</m:t>
                                 </m:r>
                                 <m:r>
-                                  <a:rPr lang="en-US" sz="2400" smtClean="0"/>
+                                  <a:rPr lang="en-US" sz="2400" smtClean="0">
+                                    <a:latin typeface="Cambria Math" panose="02040503050406030204" pitchFamily="18" charset="0"/>
+                                  </a:rPr>
                                   <m:t>←</m:t>
                                 </m:r>
                                 <m:sSup>
                                   <m:sSupPr>
                                     <m:ctrlPr>
-                                      <a:rPr lang="en-US" sz="2400" smtClean="0"/>
+                                      <a:rPr lang="en-US" sz="2400" i="1" smtClean="0">
+                                        <a:latin typeface="Cambria Math" panose="02040503050406030204" pitchFamily="18" charset="0"/>
+                                      </a:rPr>
                                     </m:ctrlPr>
                                   </m:sSupPr>
                                   <m:e>
                                     <m:r>
-                                      <a:rPr lang="en-US" sz="2400" smtClean="0"/>
+                                      <a:rPr lang="en-US" sz="2400" smtClean="0">
+                                        <a:latin typeface="Cambria Math" panose="02040503050406030204" pitchFamily="18" charset="0"/>
+                                      </a:rPr>
                                       <m:t>𝑔</m:t>
                                     </m:r>
                                   </m:e>
                                   <m:sup>
                                     <m:r>
-                                      <a:rPr lang="en-US" sz="2400" smtClean="0"/>
+                                      <a:rPr lang="en-US" sz="2400" smtClean="0">
+                                        <a:latin typeface="Cambria Math" panose="02040503050406030204" pitchFamily="18" charset="0"/>
+                                      </a:rPr>
                                       <m:t>𝑏</m:t>
                                     </m:r>
                                   </m:sup>
                                 </m:sSup>
                                 <m:r>
-                                  <a:rPr lang="en-US" sz="2400" smtClean="0"/>
+                                  <a:rPr lang="en-US" sz="2400" smtClean="0">
+                                    <a:latin typeface="Cambria Math" panose="02040503050406030204" pitchFamily="18" charset="0"/>
+                                  </a:rPr>
                                   <m:t>, </m:t>
                                 </m:r>
                                 <m:r>
-                                  <a:rPr lang="en-US" sz="2400" smtClean="0"/>
+                                  <a:rPr lang="en-US" sz="2400" smtClean="0">
+                                    <a:latin typeface="Cambria Math" panose="02040503050406030204" pitchFamily="18" charset="0"/>
+                                  </a:rPr>
                                   <m:t>𝑣</m:t>
                                 </m:r>
                                 <m:r>
-                                  <a:rPr lang="en-US" sz="2400" smtClean="0"/>
+                                  <a:rPr lang="en-US" sz="2400" smtClean="0">
+                                    <a:latin typeface="Cambria Math" panose="02040503050406030204" pitchFamily="18" charset="0"/>
+                                  </a:rPr>
                                   <m:t>←</m:t>
                                 </m:r>
                                 <m:sSup>
                                   <m:sSupPr>
                                     <m:ctrlPr>
-                                      <a:rPr lang="en-US" sz="2400" smtClean="0"/>
+                                      <a:rPr lang="en-US" sz="2400" i="1" smtClean="0">
+                                        <a:latin typeface="Cambria Math" panose="02040503050406030204" pitchFamily="18" charset="0"/>
+                                      </a:rPr>
                                     </m:ctrlPr>
                                   </m:sSupPr>
                                   <m:e>
                                     <m:r>
-                                      <a:rPr lang="en-US" sz="2400" smtClean="0"/>
+                                      <a:rPr lang="en-US" sz="2400" smtClean="0">
+                                        <a:latin typeface="Cambria Math" panose="02040503050406030204" pitchFamily="18" charset="0"/>
+                                      </a:rPr>
                                       <m:t>h</m:t>
                                     </m:r>
                                   </m:e>
                                   <m:sup>
                                     <m:r>
-                                      <a:rPr lang="en-US" sz="2400" smtClean="0"/>
+                                      <a:rPr lang="en-US" sz="2400" smtClean="0">
+                                        <a:latin typeface="Cambria Math" panose="02040503050406030204" pitchFamily="18" charset="0"/>
+                                      </a:rPr>
                                       <m:t>𝑏</m:t>
                                     </m:r>
                                   </m:sup>
@@ -9667,65 +9703,91 @@
                               </m:oMathParaPr>
                               <m:oMath xmlns:m="http://schemas.openxmlformats.org/officeDocument/2006/math">
                                 <m:r>
-                                  <a:rPr lang="en-US" sz="2400" smtClean="0"/>
+                                  <a:rPr lang="en-US" sz="2400" smtClean="0">
+                                    <a:latin typeface="Cambria Math" panose="02040503050406030204" pitchFamily="18" charset="0"/>
+                                  </a:rPr>
                                   <m:t>𝑘</m:t>
                                 </m:r>
                                 <m:r>
-                                  <a:rPr lang="en-US" sz="2400" smtClean="0"/>
+                                  <a:rPr lang="en-US" sz="2400" smtClean="0">
+                                    <a:latin typeface="Cambria Math" panose="02040503050406030204" pitchFamily="18" charset="0"/>
+                                  </a:rPr>
                                   <m:t>←</m:t>
                                 </m:r>
                                 <m:r>
-                                  <a:rPr lang="en-US" sz="2400" smtClean="0"/>
+                                  <a:rPr lang="en-US" sz="2400" smtClean="0">
+                                    <a:latin typeface="Cambria Math" panose="02040503050406030204" pitchFamily="18" charset="0"/>
+                                  </a:rPr>
                                   <m:t>𝐻</m:t>
                                 </m:r>
                                 <m:d>
                                   <m:dPr>
                                     <m:ctrlPr>
-                                      <a:rPr lang="en-US" sz="2400" smtClean="0"/>
+                                      <a:rPr lang="en-US" sz="2400" i="1" smtClean="0">
+                                        <a:latin typeface="Cambria Math" panose="02040503050406030204" pitchFamily="18" charset="0"/>
+                                      </a:rPr>
                                     </m:ctrlPr>
                                   </m:dPr>
                                   <m:e>
                                     <m:r>
-                                      <a:rPr lang="en-US" sz="2400" smtClean="0"/>
+                                      <a:rPr lang="en-US" sz="2400" smtClean="0">
+                                        <a:latin typeface="Cambria Math" panose="02040503050406030204" pitchFamily="18" charset="0"/>
+                                      </a:rPr>
                                       <m:t>𝑢</m:t>
                                     </m:r>
                                     <m:r>
-                                      <a:rPr lang="en-US" sz="2400" smtClean="0"/>
+                                      <a:rPr lang="en-US" sz="2400" smtClean="0">
+                                        <a:latin typeface="Cambria Math" panose="02040503050406030204" pitchFamily="18" charset="0"/>
+                                      </a:rPr>
                                       <m:t>,</m:t>
                                     </m:r>
                                     <m:r>
-                                      <a:rPr lang="en-US" sz="2400" smtClean="0"/>
+                                      <a:rPr lang="en-US" sz="2400" smtClean="0">
+                                        <a:latin typeface="Cambria Math" panose="02040503050406030204" pitchFamily="18" charset="0"/>
+                                      </a:rPr>
                                       <m:t>𝑣</m:t>
                                     </m:r>
                                   </m:e>
                                 </m:d>
                                 <m:r>
-                                  <a:rPr lang="en-US" sz="2400" smtClean="0"/>
+                                  <a:rPr lang="en-US" sz="2400" smtClean="0">
+                                    <a:latin typeface="Cambria Math" panose="02040503050406030204" pitchFamily="18" charset="0"/>
+                                  </a:rPr>
                                   <m:t>, </m:t>
                                 </m:r>
                                 <m:r>
-                                  <a:rPr lang="en-US" sz="2400" smtClean="0"/>
+                                  <a:rPr lang="en-US" sz="2400" smtClean="0">
+                                    <a:latin typeface="Cambria Math" panose="02040503050406030204" pitchFamily="18" charset="0"/>
+                                  </a:rPr>
                                   <m:t>𝑐</m:t>
                                 </m:r>
                                 <m:r>
-                                  <a:rPr lang="en-US" sz="2400" smtClean="0"/>
+                                  <a:rPr lang="en-US" sz="2400" smtClean="0">
+                                    <a:latin typeface="Cambria Math" panose="02040503050406030204" pitchFamily="18" charset="0"/>
+                                  </a:rPr>
                                   <m:t>=</m:t>
                                 </m:r>
                                 <m:sSub>
                                   <m:sSubPr>
                                     <m:ctrlPr>
-                                      <a:rPr lang="en-US" sz="2400" smtClean="0"/>
+                                      <a:rPr lang="en-US" sz="2400" i="1" smtClean="0">
+                                        <a:latin typeface="Cambria Math" panose="02040503050406030204" pitchFamily="18" charset="0"/>
+                                      </a:rPr>
                                     </m:ctrlPr>
                                   </m:sSubPr>
                                   <m:e>
                                     <m:r>
-                                      <a:rPr lang="en-US" sz="2400" smtClean="0"/>
+                                      <a:rPr lang="en-US" sz="2400" smtClean="0">
+                                        <a:latin typeface="Cambria Math" panose="02040503050406030204" pitchFamily="18" charset="0"/>
+                                      </a:rPr>
                                       <m:t>𝐸</m:t>
                                     </m:r>
                                   </m:e>
                                   <m:sub>
                                     <m:r>
-                                      <a:rPr lang="en-US" sz="2400" smtClean="0"/>
+                                      <a:rPr lang="en-US" sz="2400" smtClean="0">
+                                        <a:latin typeface="Cambria Math" panose="02040503050406030204" pitchFamily="18" charset="0"/>
+                                      </a:rPr>
                                       <m:t>𝑠</m:t>
                                     </m:r>
                                   </m:sub>
@@ -9733,20 +9795,28 @@
                                 <m:d>
                                   <m:dPr>
                                     <m:ctrlPr>
-                                      <a:rPr lang="en-US" sz="2400" smtClean="0"/>
+                                      <a:rPr lang="en-US" sz="2400" i="1" smtClean="0">
+                                        <a:latin typeface="Cambria Math" panose="02040503050406030204" pitchFamily="18" charset="0"/>
+                                      </a:rPr>
                                     </m:ctrlPr>
                                   </m:dPr>
                                   <m:e>
                                     <m:r>
-                                      <a:rPr lang="en-US" sz="2400" smtClean="0"/>
+                                      <a:rPr lang="en-US" sz="2400" smtClean="0">
+                                        <a:latin typeface="Cambria Math" panose="02040503050406030204" pitchFamily="18" charset="0"/>
+                                      </a:rPr>
                                       <m:t>𝑘</m:t>
                                     </m:r>
                                     <m:r>
-                                      <a:rPr lang="en-US" sz="2400" smtClean="0"/>
+                                      <a:rPr lang="en-US" sz="2400" smtClean="0">
+                                        <a:latin typeface="Cambria Math" panose="02040503050406030204" pitchFamily="18" charset="0"/>
+                                      </a:rPr>
                                       <m:t>, </m:t>
                                     </m:r>
                                     <m:r>
-                                      <a:rPr lang="en-US" sz="2400" smtClean="0"/>
+                                      <a:rPr lang="en-US" sz="2400" smtClean="0">
+                                        <a:latin typeface="Cambria Math" panose="02040503050406030204" pitchFamily="18" charset="0"/>
+                                      </a:rPr>
                                       <m:t>𝑚</m:t>
                                     </m:r>
                                   </m:e>
@@ -9767,27 +9837,39 @@
                               </m:oMathParaPr>
                               <m:oMath xmlns:m="http://schemas.openxmlformats.org/officeDocument/2006/math">
                                 <m:r>
-                                  <a:rPr lang="en-US" sz="2400" smtClean="0"/>
+                                  <a:rPr lang="en-US" sz="2400" smtClean="0">
+                                    <a:latin typeface="Cambria Math" panose="02040503050406030204" pitchFamily="18" charset="0"/>
+                                  </a:rPr>
                                   <m:t>𝐶</m:t>
                                 </m:r>
                                 <m:r>
-                                  <a:rPr lang="en-US" sz="2400" smtClean="0"/>
+                                  <a:rPr lang="en-US" sz="2400" smtClean="0">
+                                    <a:latin typeface="Cambria Math" panose="02040503050406030204" pitchFamily="18" charset="0"/>
+                                  </a:rPr>
                                   <m:t>=(</m:t>
                                 </m:r>
                                 <m:r>
-                                  <a:rPr lang="en-US" sz="2400" smtClean="0"/>
+                                  <a:rPr lang="en-US" sz="2400" smtClean="0">
+                                    <a:latin typeface="Cambria Math" panose="02040503050406030204" pitchFamily="18" charset="0"/>
+                                  </a:rPr>
                                   <m:t>𝑢</m:t>
                                 </m:r>
                                 <m:r>
-                                  <a:rPr lang="en-US" sz="2400" smtClean="0"/>
+                                  <a:rPr lang="en-US" sz="2400" smtClean="0">
+                                    <a:latin typeface="Cambria Math" panose="02040503050406030204" pitchFamily="18" charset="0"/>
+                                  </a:rPr>
                                   <m:t>,</m:t>
                                 </m:r>
                                 <m:r>
-                                  <a:rPr lang="en-US" sz="2400" smtClean="0"/>
+                                  <a:rPr lang="en-US" sz="2400" smtClean="0">
+                                    <a:latin typeface="Cambria Math" panose="02040503050406030204" pitchFamily="18" charset="0"/>
+                                  </a:rPr>
                                   <m:t>𝑐</m:t>
                                 </m:r>
                                 <m:r>
-                                  <a:rPr lang="en-US" sz="2400" smtClean="0"/>
+                                  <a:rPr lang="en-US" sz="2400" smtClean="0">
+                                    <a:latin typeface="Cambria Math" panose="02040503050406030204" pitchFamily="18" charset="0"/>
+                                  </a:rPr>
                                   <m:t>)</m:t>
                                 </m:r>
                               </m:oMath>
@@ -9816,49 +9898,69 @@
                               </m:oMathParaPr>
                               <m:oMath xmlns:m="http://schemas.openxmlformats.org/officeDocument/2006/math">
                                 <m:r>
-                                  <a:rPr lang="en-US" sz="2400" smtClean="0"/>
+                                  <a:rPr lang="en-US" sz="2400" smtClean="0">
+                                    <a:latin typeface="Cambria Math" panose="02040503050406030204" pitchFamily="18" charset="0"/>
+                                  </a:rPr>
                                   <m:t>𝑫</m:t>
                                 </m:r>
                                 <m:d>
                                   <m:dPr>
                                     <m:ctrlPr>
-                                      <a:rPr lang="en-US" sz="2400" smtClean="0"/>
+                                      <a:rPr lang="en-US" sz="2400" i="1" smtClean="0">
+                                        <a:latin typeface="Cambria Math" panose="02040503050406030204" pitchFamily="18" charset="0"/>
+                                      </a:rPr>
                                     </m:ctrlPr>
                                   </m:dPr>
                                   <m:e>
                                     <m:r>
-                                      <a:rPr lang="en-US" sz="2400" smtClean="0"/>
+                                      <a:rPr lang="en-US" sz="2400" smtClean="0">
+                                        <a:latin typeface="Cambria Math" panose="02040503050406030204" pitchFamily="18" charset="0"/>
+                                      </a:rPr>
                                       <m:t>𝒔𝒌</m:t>
                                     </m:r>
                                     <m:r>
-                                      <a:rPr lang="en-US" sz="2400" smtClean="0"/>
+                                      <a:rPr lang="en-US" sz="2400" smtClean="0">
+                                        <a:latin typeface="Cambria Math" panose="02040503050406030204" pitchFamily="18" charset="0"/>
+                                      </a:rPr>
                                       <m:t>=</m:t>
                                     </m:r>
                                     <m:r>
-                                      <a:rPr lang="en-US" sz="2400" smtClean="0"/>
+                                      <a:rPr lang="en-US" sz="2400" smtClean="0">
+                                        <a:latin typeface="Cambria Math" panose="02040503050406030204" pitchFamily="18" charset="0"/>
+                                      </a:rPr>
                                       <m:t>𝒂</m:t>
                                     </m:r>
                                     <m:r>
-                                      <a:rPr lang="en-US" sz="2400" smtClean="0"/>
+                                      <a:rPr lang="en-US" sz="2400" smtClean="0">
+                                        <a:latin typeface="Cambria Math" panose="02040503050406030204" pitchFamily="18" charset="0"/>
+                                      </a:rPr>
                                       <m:t>, </m:t>
                                     </m:r>
                                     <m:d>
                                       <m:dPr>
                                         <m:ctrlPr>
-                                          <a:rPr lang="en-US" sz="2400" smtClean="0"/>
+                                          <a:rPr lang="en-US" sz="2400" i="1" smtClean="0">
+                                            <a:latin typeface="Cambria Math" panose="02040503050406030204" pitchFamily="18" charset="0"/>
+                                          </a:rPr>
                                         </m:ctrlPr>
                                       </m:dPr>
                                       <m:e>
                                         <m:r>
-                                          <a:rPr lang="en-US" sz="2400" smtClean="0"/>
+                                          <a:rPr lang="en-US" sz="2400" smtClean="0">
+                                            <a:latin typeface="Cambria Math" panose="02040503050406030204" pitchFamily="18" charset="0"/>
+                                          </a:rPr>
                                           <m:t>𝒖</m:t>
                                         </m:r>
                                         <m:r>
-                                          <a:rPr lang="en-US" sz="2400" smtClean="0"/>
+                                          <a:rPr lang="en-US" sz="2400" smtClean="0">
+                                            <a:latin typeface="Cambria Math" panose="02040503050406030204" pitchFamily="18" charset="0"/>
+                                          </a:rPr>
                                           <m:t>,</m:t>
                                         </m:r>
                                         <m:r>
-                                          <a:rPr lang="en-US" sz="2400" smtClean="0"/>
+                                          <a:rPr lang="en-US" sz="2400" smtClean="0">
+                                            <a:latin typeface="Cambria Math" panose="02040503050406030204" pitchFamily="18" charset="0"/>
+                                          </a:rPr>
                                           <m:t>𝒄</m:t>
                                         </m:r>
                                       </m:e>
@@ -9866,7 +9968,9 @@
                                   </m:e>
                                 </m:d>
                                 <m:r>
-                                  <a:rPr lang="en-US" sz="2400" smtClean="0"/>
+                                  <a:rPr lang="en-US" sz="2400" smtClean="0">
+                                    <a:latin typeface="Cambria Math" panose="02040503050406030204" pitchFamily="18" charset="0"/>
+                                  </a:rPr>
                                   <m:t>:</m:t>
                                 </m:r>
                               </m:oMath>
@@ -9885,28 +9989,38 @@
                               </m:oMathParaPr>
                               <m:oMath xmlns:m="http://schemas.openxmlformats.org/officeDocument/2006/math">
                                 <m:r>
-                                  <a:rPr lang="en-US" sz="2400" smtClean="0"/>
+                                  <a:rPr lang="en-US" sz="2400" smtClean="0">
+                                    <a:latin typeface="Cambria Math" panose="02040503050406030204" pitchFamily="18" charset="0"/>
+                                  </a:rPr>
                                   <m:t>𝑣</m:t>
                                 </m:r>
                                 <m:r>
-                                  <a:rPr lang="en-US" sz="2400" smtClean="0"/>
+                                  <a:rPr lang="en-US" sz="2400" smtClean="0">
+                                    <a:latin typeface="Cambria Math" panose="02040503050406030204" pitchFamily="18" charset="0"/>
+                                  </a:rPr>
                                   <m:t>←</m:t>
                                 </m:r>
                                 <m:sSup>
                                   <m:sSupPr>
                                     <m:ctrlPr>
-                                      <a:rPr lang="en-US" sz="2400" smtClean="0"/>
+                                      <a:rPr lang="en-US" sz="2400" i="1" smtClean="0">
+                                        <a:latin typeface="Cambria Math" panose="02040503050406030204" pitchFamily="18" charset="0"/>
+                                      </a:rPr>
                                     </m:ctrlPr>
                                   </m:sSupPr>
                                   <m:e>
                                     <m:r>
-                                      <a:rPr lang="en-US" sz="2400" smtClean="0"/>
+                                      <a:rPr lang="en-US" sz="2400" smtClean="0">
+                                        <a:latin typeface="Cambria Math" panose="02040503050406030204" pitchFamily="18" charset="0"/>
+                                      </a:rPr>
                                       <m:t>𝑢</m:t>
                                     </m:r>
                                   </m:e>
                                   <m:sup>
                                     <m:r>
-                                      <a:rPr lang="en-US" sz="2400" smtClean="0"/>
+                                      <a:rPr lang="en-US" sz="2400" smtClean="0">
+                                        <a:latin typeface="Cambria Math" panose="02040503050406030204" pitchFamily="18" charset="0"/>
+                                      </a:rPr>
                                       <m:t>𝑎</m:t>
                                     </m:r>
                                   </m:sup>
@@ -9927,65 +10041,91 @@
                               </m:oMathParaPr>
                               <m:oMath xmlns:m="http://schemas.openxmlformats.org/officeDocument/2006/math">
                                 <m:r>
-                                  <a:rPr lang="en-US" sz="2400"/>
+                                  <a:rPr lang="en-US" sz="2400">
+                                    <a:latin typeface="Cambria Math" panose="02040503050406030204" pitchFamily="18" charset="0"/>
+                                  </a:rPr>
                                   <m:t>𝑘</m:t>
                                 </m:r>
                                 <m:r>
-                                  <a:rPr lang="en-US" sz="2400"/>
+                                  <a:rPr lang="en-US" sz="2400">
+                                    <a:latin typeface="Cambria Math" panose="02040503050406030204" pitchFamily="18" charset="0"/>
+                                  </a:rPr>
                                   <m:t>←</m:t>
                                 </m:r>
                                 <m:r>
-                                  <a:rPr lang="en-US" sz="2400"/>
+                                  <a:rPr lang="en-US" sz="2400">
+                                    <a:latin typeface="Cambria Math" panose="02040503050406030204" pitchFamily="18" charset="0"/>
+                                  </a:rPr>
                                   <m:t>𝐻</m:t>
                                 </m:r>
                                 <m:d>
                                   <m:dPr>
                                     <m:ctrlPr>
-                                      <a:rPr lang="en-US" sz="2400"/>
+                                      <a:rPr lang="en-US" sz="2400" i="1">
+                                        <a:latin typeface="Cambria Math" panose="02040503050406030204" pitchFamily="18" charset="0"/>
+                                      </a:rPr>
                                     </m:ctrlPr>
                                   </m:dPr>
                                   <m:e>
                                     <m:r>
-                                      <a:rPr lang="en-US" sz="2400"/>
+                                      <a:rPr lang="en-US" sz="2400">
+                                        <a:latin typeface="Cambria Math" panose="02040503050406030204" pitchFamily="18" charset="0"/>
+                                      </a:rPr>
                                       <m:t>𝑢</m:t>
                                     </m:r>
                                     <m:r>
-                                      <a:rPr lang="en-US" sz="2400"/>
+                                      <a:rPr lang="en-US" sz="2400">
+                                        <a:latin typeface="Cambria Math" panose="02040503050406030204" pitchFamily="18" charset="0"/>
+                                      </a:rPr>
                                       <m:t>,</m:t>
                                     </m:r>
                                     <m:r>
-                                      <a:rPr lang="en-US" sz="2400"/>
+                                      <a:rPr lang="en-US" sz="2400">
+                                        <a:latin typeface="Cambria Math" panose="02040503050406030204" pitchFamily="18" charset="0"/>
+                                      </a:rPr>
                                       <m:t>𝑣</m:t>
                                     </m:r>
                                   </m:e>
                                 </m:d>
                                 <m:r>
-                                  <a:rPr lang="en-US" sz="2400"/>
+                                  <a:rPr lang="en-US" sz="2400">
+                                    <a:latin typeface="Cambria Math" panose="02040503050406030204" pitchFamily="18" charset="0"/>
+                                  </a:rPr>
                                   <m:t>, </m:t>
                                 </m:r>
                                 <m:r>
-                                  <a:rPr lang="en-US" sz="2400" smtClean="0"/>
+                                  <a:rPr lang="en-US" sz="2400" smtClean="0">
+                                    <a:latin typeface="Cambria Math" panose="02040503050406030204" pitchFamily="18" charset="0"/>
+                                  </a:rPr>
                                   <m:t>𝑚</m:t>
                                 </m:r>
                                 <m:r>
-                                  <a:rPr lang="en-US" sz="2400"/>
+                                  <a:rPr lang="en-US" sz="2400">
+                                    <a:latin typeface="Cambria Math" panose="02040503050406030204" pitchFamily="18" charset="0"/>
+                                  </a:rPr>
                                   <m:t>=</m:t>
                                 </m:r>
                                 <m:sSub>
                                   <m:sSubPr>
                                     <m:ctrlPr>
-                                      <a:rPr lang="en-US" sz="2400"/>
+                                      <a:rPr lang="en-US" sz="2400" i="1">
+                                        <a:latin typeface="Cambria Math" panose="02040503050406030204" pitchFamily="18" charset="0"/>
+                                      </a:rPr>
                                     </m:ctrlPr>
                                   </m:sSubPr>
                                   <m:e>
                                     <m:r>
-                                      <a:rPr lang="en-US" sz="2400" smtClean="0"/>
+                                      <a:rPr lang="en-US" sz="2400" smtClean="0">
+                                        <a:latin typeface="Cambria Math" panose="02040503050406030204" pitchFamily="18" charset="0"/>
+                                      </a:rPr>
                                       <m:t>𝐷</m:t>
                                     </m:r>
                                   </m:e>
                                   <m:sub>
                                     <m:r>
-                                      <a:rPr lang="en-US" sz="2400"/>
+                                      <a:rPr lang="en-US" sz="2400">
+                                        <a:latin typeface="Cambria Math" panose="02040503050406030204" pitchFamily="18" charset="0"/>
+                                      </a:rPr>
                                       <m:t>𝑠</m:t>
                                     </m:r>
                                   </m:sub>
@@ -9993,20 +10133,28 @@
                                 <m:d>
                                   <m:dPr>
                                     <m:ctrlPr>
-                                      <a:rPr lang="en-US" sz="2400"/>
+                                      <a:rPr lang="en-US" sz="2400" i="1">
+                                        <a:latin typeface="Cambria Math" panose="02040503050406030204" pitchFamily="18" charset="0"/>
+                                      </a:rPr>
                                     </m:ctrlPr>
                                   </m:dPr>
                                   <m:e>
                                     <m:r>
-                                      <a:rPr lang="en-US" sz="2400"/>
+                                      <a:rPr lang="en-US" sz="2400">
+                                        <a:latin typeface="Cambria Math" panose="02040503050406030204" pitchFamily="18" charset="0"/>
+                                      </a:rPr>
                                       <m:t>𝑘</m:t>
                                     </m:r>
                                     <m:r>
-                                      <a:rPr lang="en-US" sz="2400"/>
+                                      <a:rPr lang="en-US" sz="2400">
+                                        <a:latin typeface="Cambria Math" panose="02040503050406030204" pitchFamily="18" charset="0"/>
+                                      </a:rPr>
                                       <m:t>, </m:t>
                                     </m:r>
                                     <m:r>
-                                      <a:rPr lang="en-US" sz="2400" smtClean="0"/>
+                                      <a:rPr lang="en-US" sz="2400" smtClean="0">
+                                        <a:latin typeface="Cambria Math" panose="02040503050406030204" pitchFamily="18" charset="0"/>
+                                      </a:rPr>
                                       <m:t>𝑐</m:t>
                                     </m:r>
                                   </m:e>
@@ -10030,7 +10178,7 @@
             </a:graphic>
           </p:graphicFrame>
         </mc:Choice>
-        <mc:Fallback>
+        <mc:Fallback xmlns="">
           <p:graphicFrame>
             <p:nvGraphicFramePr>
               <p:cNvPr id="5" name="Таблица 4"/>
@@ -10901,15 +11049,7 @@
             </a:r>
             <a:r>
               <a:rPr lang="ru-RU" dirty="0" smtClean="0"/>
-              <a:t> (упро</a:t>
-            </a:r>
-            <a:r>
-              <a:rPr lang="ru-RU" dirty="0" smtClean="0"/>
-              <a:t>щ</a:t>
-            </a:r>
-            <a:r>
-              <a:rPr lang="ru-RU" dirty="0" smtClean="0"/>
-              <a:t>ённо)</a:t>
+              <a:t> (упрощённо)</a:t>
             </a:r>
             <a:endParaRPr lang="ru-RU" dirty="0"/>
           </a:p>
@@ -11145,10 +11285,10 @@
                       <m:t>, </m:t>
                     </m:r>
                     <m:r>
-                      <a:rPr lang="en-US" i="1">
-                        <a:latin typeface="Cambria Math" panose="02040503050406030204" pitchFamily="18" charset="0"/>
-                      </a:rPr>
-                      <m:t>𝑠𝑘</m:t>
+                      <a:rPr lang="en-US" b="0" i="1" smtClean="0">
+                        <a:latin typeface="Cambria Math" panose="02040503050406030204" pitchFamily="18" charset="0"/>
+                      </a:rPr>
+                      <m:t>𝑆𝐾</m:t>
                     </m:r>
                     <m:r>
                       <a:rPr lang="en-US" i="1">
@@ -11258,8 +11398,8 @@
           </a:p>
         </p:txBody>
       </p:sp>
-      <mc:AlternateContent xmlns:mc="http://schemas.openxmlformats.org/markup-compatibility/2006">
-        <mc:Choice xmlns:a14="http://schemas.microsoft.com/office/drawing/2010/main" Requires="a14">
+      <mc:AlternateContent xmlns:mc="http://schemas.openxmlformats.org/markup-compatibility/2006" xmlns:a14="http://schemas.microsoft.com/office/drawing/2010/main">
+        <mc:Choice Requires="a14">
           <p:graphicFrame>
             <p:nvGraphicFramePr>
               <p:cNvPr id="5" name="Таблица 4"/>
@@ -12014,7 +12154,7 @@
             </a:graphic>
           </p:graphicFrame>
         </mc:Choice>
-        <mc:Fallback>
+        <mc:Fallback xmlns="">
           <p:graphicFrame>
             <p:nvGraphicFramePr>
               <p:cNvPr id="5" name="Таблица 4"/>
@@ -12205,7 +12345,11 @@
                 </a14:m>
                 <a:r>
                   <a:rPr lang="ru-RU" sz="2400" dirty="0"/>
-                  <a:t> – циклическая группа точек порядка </a:t>
+                  <a:t> – циклическая группа </a:t>
+                </a:r>
+                <a:r>
+                  <a:rPr lang="ru-RU" sz="2400" dirty="0" smtClean="0"/>
+                  <a:t>порядка </a:t>
                 </a:r>
                 <a14:m>
                   <m:oMath xmlns:m="http://schemas.openxmlformats.org/officeDocument/2006/math">
@@ -12266,137 +12410,6 @@
                   <a:rPr lang="en-US" sz="2400" dirty="0"/>
                   <a:t>)</a:t>
                 </a:r>
-              </a:p>
-              <a:p>
-                <a:pPr marL="0" indent="0">
-                  <a:buNone/>
-                </a:pPr>
-                <a14:m>
-                  <m:oMath xmlns:m="http://schemas.openxmlformats.org/officeDocument/2006/math">
-                    <m:d>
-                      <m:dPr>
-                        <m:ctrlPr>
-                          <a:rPr lang="en-US" sz="2400" i="1">
-                            <a:latin typeface="Cambria Math" panose="02040503050406030204" pitchFamily="18" charset="0"/>
-                          </a:rPr>
-                        </m:ctrlPr>
-                      </m:dPr>
-                      <m:e>
-                        <m:sSub>
-                          <m:sSubPr>
-                            <m:ctrlPr>
-                              <a:rPr lang="en-US" sz="2400" i="1">
-                                <a:latin typeface="Cambria Math" panose="02040503050406030204" pitchFamily="18" charset="0"/>
-                              </a:rPr>
-                            </m:ctrlPr>
-                          </m:sSubPr>
-                          <m:e>
-                            <m:r>
-                              <a:rPr lang="en-US" sz="2400" i="1">
-                                <a:latin typeface="Cambria Math" panose="02040503050406030204" pitchFamily="18" charset="0"/>
-                              </a:rPr>
-                              <m:t>𝐸</m:t>
-                            </m:r>
-                          </m:e>
-                          <m:sub>
-                            <m:r>
-                              <a:rPr lang="en-US" sz="2400" i="1">
-                                <a:latin typeface="Cambria Math" panose="02040503050406030204" pitchFamily="18" charset="0"/>
-                              </a:rPr>
-                              <m:t>𝑆</m:t>
-                            </m:r>
-                          </m:sub>
-                        </m:sSub>
-                        <m:r>
-                          <a:rPr lang="en-US" sz="2400" i="1">
-                            <a:latin typeface="Cambria Math" panose="02040503050406030204" pitchFamily="18" charset="0"/>
-                          </a:rPr>
-                          <m:t>,</m:t>
-                        </m:r>
-                        <m:sSub>
-                          <m:sSubPr>
-                            <m:ctrlPr>
-                              <a:rPr lang="en-US" sz="2400" i="1">
-                                <a:latin typeface="Cambria Math" panose="02040503050406030204" pitchFamily="18" charset="0"/>
-                              </a:rPr>
-                            </m:ctrlPr>
-                          </m:sSubPr>
-                          <m:e>
-                            <m:r>
-                              <a:rPr lang="en-US" sz="2400" i="1">
-                                <a:latin typeface="Cambria Math" panose="02040503050406030204" pitchFamily="18" charset="0"/>
-                              </a:rPr>
-                              <m:t>𝐷</m:t>
-                            </m:r>
-                          </m:e>
-                          <m:sub>
-                            <m:r>
-                              <a:rPr lang="en-US" sz="2400" i="1">
-                                <a:latin typeface="Cambria Math" panose="02040503050406030204" pitchFamily="18" charset="0"/>
-                              </a:rPr>
-                              <m:t>𝑠</m:t>
-                            </m:r>
-                          </m:sub>
-                        </m:sSub>
-                      </m:e>
-                    </m:d>
-                  </m:oMath>
-                </a14:m>
-                <a:r>
-                  <a:rPr lang="en-US" sz="2400" dirty="0"/>
-                  <a:t> </a:t>
-                </a:r>
-                <a:r>
-                  <a:rPr lang="ru-RU" sz="2400" dirty="0"/>
-                  <a:t>- симметричный аутентифицированный шифр на </a:t>
-                </a:r>
-                <a14:m>
-                  <m:oMath xmlns:m="http://schemas.openxmlformats.org/officeDocument/2006/math">
-                    <m:r>
-                      <a:rPr lang="en-US" sz="2400" i="1">
-                        <a:latin typeface="Cambria Math" panose="02040503050406030204" pitchFamily="18" charset="0"/>
-                      </a:rPr>
-                      <m:t>(</m:t>
-                    </m:r>
-                    <m:r>
-                      <a:rPr lang="en-US" sz="2400" i="1">
-                        <a:latin typeface="Cambria Math" panose="02040503050406030204" pitchFamily="18" charset="0"/>
-                      </a:rPr>
-                      <m:t>𝐾</m:t>
-                    </m:r>
-                    <m:r>
-                      <a:rPr lang="en-US" sz="2400" i="1">
-                        <a:latin typeface="Cambria Math" panose="02040503050406030204" pitchFamily="18" charset="0"/>
-                      </a:rPr>
-                      <m:t>,</m:t>
-                    </m:r>
-                    <m:r>
-                      <a:rPr lang="en-US" sz="2400" i="1">
-                        <a:latin typeface="Cambria Math" panose="02040503050406030204" pitchFamily="18" charset="0"/>
-                      </a:rPr>
-                      <m:t>𝑀</m:t>
-                    </m:r>
-                    <m:r>
-                      <a:rPr lang="en-US" sz="2400" i="1">
-                        <a:latin typeface="Cambria Math" panose="02040503050406030204" pitchFamily="18" charset="0"/>
-                      </a:rPr>
-                      <m:t>,</m:t>
-                    </m:r>
-                    <m:r>
-                      <a:rPr lang="en-US" sz="2400" i="1">
-                        <a:latin typeface="Cambria Math" panose="02040503050406030204" pitchFamily="18" charset="0"/>
-                      </a:rPr>
-                      <m:t>𝐶</m:t>
-                    </m:r>
-                    <m:r>
-                      <a:rPr lang="en-US" sz="2400" i="1">
-                        <a:latin typeface="Cambria Math" panose="02040503050406030204" pitchFamily="18" charset="0"/>
-                      </a:rPr>
-                      <m:t>)</m:t>
-                    </m:r>
-                  </m:oMath>
-                </a14:m>
-                <a:endParaRPr lang="en-US" sz="2400" dirty="0" smtClean="0"/>
               </a:p>
               <a:p>
                 <a:pPr marL="0" indent="0">
@@ -12744,8 +12757,8 @@
           </a:p>
         </p:txBody>
       </p:sp>
-      <mc:AlternateContent xmlns:mc="http://schemas.openxmlformats.org/markup-compatibility/2006">
-        <mc:Choice xmlns:a14="http://schemas.microsoft.com/office/drawing/2010/main" Requires="a14">
+      <mc:AlternateContent xmlns:mc="http://schemas.openxmlformats.org/markup-compatibility/2006" xmlns:a14="http://schemas.microsoft.com/office/drawing/2010/main">
+        <mc:Choice Requires="a14">
           <p:graphicFrame>
             <p:nvGraphicFramePr>
               <p:cNvPr id="5" name="Таблица 4"/>
@@ -12762,7 +12775,7 @@
             </p:nvGraphicFramePr>
             <p:xfrm>
               <a:off x="838198" y="3814558"/>
-              <a:ext cx="10618178" cy="2660015"/>
+              <a:ext cx="10618178" cy="2651760"/>
             </p:xfrm>
             <a:graphic>
               <a:graphicData uri="http://schemas.openxmlformats.org/drawingml/2006/table">
@@ -12802,40 +12815,56 @@
                               </m:oMathParaPr>
                               <m:oMath xmlns:m="http://schemas.openxmlformats.org/officeDocument/2006/math">
                                 <m:r>
-                                  <a:rPr lang="en-US" sz="2400" dirty="0" smtClean="0"/>
+                                  <a:rPr lang="en-US" sz="2400" dirty="0" smtClean="0">
+                                    <a:latin typeface="Cambria Math" panose="02040503050406030204" pitchFamily="18" charset="0"/>
+                                  </a:rPr>
                                   <m:t>𝑺</m:t>
                                 </m:r>
                                 <m:d>
                                   <m:dPr>
                                     <m:ctrlPr>
-                                      <a:rPr lang="en-US" sz="2400" dirty="0" smtClean="0"/>
+                                      <a:rPr lang="en-US" sz="2400" i="1" dirty="0" smtClean="0">
+                                        <a:latin typeface="Cambria Math" panose="02040503050406030204" pitchFamily="18" charset="0"/>
+                                      </a:rPr>
                                     </m:ctrlPr>
                                   </m:dPr>
                                   <m:e>
                                     <m:r>
-                                      <a:rPr lang="en-US" sz="2400" dirty="0" smtClean="0"/>
+                                      <a:rPr lang="en-US" sz="2400" dirty="0" smtClean="0">
+                                        <a:latin typeface="Cambria Math" panose="02040503050406030204" pitchFamily="18" charset="0"/>
+                                      </a:rPr>
                                       <m:t>𝑺𝑲</m:t>
                                     </m:r>
                                     <m:r>
-                                      <a:rPr lang="en-US" sz="2400" dirty="0" smtClean="0"/>
+                                      <a:rPr lang="en-US" sz="2400" dirty="0" smtClean="0">
+                                        <a:latin typeface="Cambria Math" panose="02040503050406030204" pitchFamily="18" charset="0"/>
+                                      </a:rPr>
                                       <m:t> = </m:t>
                                     </m:r>
                                     <m:r>
-                                      <a:rPr lang="en-US" sz="2400" dirty="0" smtClean="0"/>
+                                      <a:rPr lang="en-US" sz="2400" dirty="0" smtClean="0">
+                                        <a:latin typeface="Cambria Math" panose="02040503050406030204" pitchFamily="18" charset="0"/>
+                                      </a:rPr>
                                       <m:t>𝒂</m:t>
                                     </m:r>
                                     <m:r>
-                                      <a:rPr lang="en-US" sz="2400" dirty="0" smtClean="0"/>
+                                      <a:rPr lang="en-US" sz="2400" dirty="0" smtClean="0">
+                                        <a:latin typeface="Cambria Math" panose="02040503050406030204" pitchFamily="18" charset="0"/>
+                                      </a:rPr>
                                       <m:t>, </m:t>
                                     </m:r>
                                     <m:r>
-                                      <a:rPr lang="en-US" sz="2400" dirty="0" smtClean="0"/>
+                                      <a:rPr lang="en-US" sz="2400" dirty="0" smtClean="0">
+                                        <a:latin typeface="Cambria Math" panose="02040503050406030204" pitchFamily="18" charset="0"/>
+                                      </a:rPr>
                                       <m:t>𝒎</m:t>
                                     </m:r>
                                   </m:e>
                                 </m:d>
                                 <m:r>
-                                  <a:rPr lang="en-US" sz="2400" dirty="0" smtClean="0"/>
+                                  <a:rPr lang="en-US" sz="2400" dirty="0" smtClean="0">
+                                    <a:latin typeface="Cambria Math" panose="02040503050406030204" pitchFamily="18" charset="0"/>
+                                  </a:rPr>
                                   <m:t>:</m:t>
                                 </m:r>
                               </m:oMath>
@@ -12854,24 +12883,32 @@
                               </m:oMathParaPr>
                               <m:oMath xmlns:m="http://schemas.openxmlformats.org/officeDocument/2006/math">
                                 <m:r>
-                                  <a:rPr lang="en-US" sz="2400" smtClean="0"/>
+                                  <a:rPr lang="en-US" sz="2400" smtClean="0">
+                                    <a:latin typeface="Cambria Math" panose="02040503050406030204" pitchFamily="18" charset="0"/>
+                                  </a:rPr>
                                   <m:t>𝑘</m:t>
                                 </m:r>
                                 <m:sSup>
                                   <m:sSupPr>
                                     <m:ctrlPr>
-                                      <a:rPr lang="en-US" sz="2400" smtClean="0"/>
+                                      <a:rPr lang="en-US" sz="2400" i="1" smtClean="0">
+                                        <a:latin typeface="Cambria Math" panose="02040503050406030204" pitchFamily="18" charset="0"/>
+                                      </a:rPr>
                                     </m:ctrlPr>
                                   </m:sSupPr>
                                   <m:e>
                                     <m:r>
-                                      <a:rPr lang="en-US" sz="2400" smtClean="0"/>
+                                      <a:rPr lang="en-US" sz="2400" smtClean="0">
+                                        <a:latin typeface="Cambria Math" panose="02040503050406030204" pitchFamily="18" charset="0"/>
+                                      </a:rPr>
                                       <m:t>←</m:t>
                                     </m:r>
                                   </m:e>
                                   <m:sup>
                                     <m:r>
-                                      <a:rPr lang="en-US" sz="2400" smtClean="0"/>
+                                      <a:rPr lang="en-US" sz="2400" smtClean="0">
+                                        <a:latin typeface="Cambria Math" panose="02040503050406030204" pitchFamily="18" charset="0"/>
+                                      </a:rPr>
                                       <m:t>𝑅</m:t>
                                     </m:r>
                                   </m:sup>
@@ -12881,20 +12918,28 @@
                                     <m:begChr m:val="{"/>
                                     <m:endChr m:val="}"/>
                                     <m:ctrlPr>
-                                      <a:rPr lang="en-US" sz="2400" smtClean="0"/>
+                                      <a:rPr lang="en-US" sz="2400" i="1" smtClean="0">
+                                        <a:latin typeface="Cambria Math" panose="02040503050406030204" pitchFamily="18" charset="0"/>
+                                      </a:rPr>
                                     </m:ctrlPr>
                                   </m:dPr>
                                   <m:e>
                                     <m:r>
-                                      <a:rPr lang="en-US" sz="2400" smtClean="0"/>
+                                      <a:rPr lang="en-US" sz="2400" smtClean="0">
+                                        <a:latin typeface="Cambria Math" panose="02040503050406030204" pitchFamily="18" charset="0"/>
+                                      </a:rPr>
                                       <m:t>1..</m:t>
                                     </m:r>
                                     <m:r>
-                                      <a:rPr lang="en-US" sz="2400" smtClean="0"/>
+                                      <a:rPr lang="en-US" sz="2400" smtClean="0">
+                                        <a:latin typeface="Cambria Math" panose="02040503050406030204" pitchFamily="18" charset="0"/>
+                                      </a:rPr>
                                       <m:t>𝑞</m:t>
                                     </m:r>
                                     <m:r>
-                                      <a:rPr lang="en-US" sz="2400" smtClean="0"/>
+                                      <a:rPr lang="en-US" sz="2400" smtClean="0">
+                                        <a:latin typeface="Cambria Math" panose="02040503050406030204" pitchFamily="18" charset="0"/>
+                                      </a:rPr>
                                       <m:t>−1</m:t>
                                     </m:r>
                                   </m:e>
@@ -12915,78 +12960,106 @@
                               </m:oMathParaPr>
                               <m:oMath xmlns:m="http://schemas.openxmlformats.org/officeDocument/2006/math">
                                 <m:r>
-                                  <a:rPr lang="en-US" sz="2400" smtClean="0"/>
+                                  <a:rPr lang="en-US" sz="2400" smtClean="0">
+                                    <a:latin typeface="Cambria Math" panose="02040503050406030204" pitchFamily="18" charset="0"/>
+                                  </a:rPr>
                                   <m:t>𝑟</m:t>
                                 </m:r>
                                 <m:r>
-                                  <a:rPr lang="en-US" sz="2400" smtClean="0"/>
+                                  <a:rPr lang="en-US" sz="2400" smtClean="0">
+                                    <a:latin typeface="Cambria Math" panose="02040503050406030204" pitchFamily="18" charset="0"/>
+                                  </a:rPr>
                                   <m:t>←</m:t>
                                 </m:r>
                                 <m:sSup>
                                   <m:sSupPr>
                                     <m:ctrlPr>
-                                      <a:rPr lang="en-US" sz="2400" smtClean="0"/>
+                                      <a:rPr lang="en-US" sz="2400" i="1" smtClean="0">
+                                        <a:latin typeface="Cambria Math" panose="02040503050406030204" pitchFamily="18" charset="0"/>
+                                      </a:rPr>
                                     </m:ctrlPr>
                                   </m:sSupPr>
                                   <m:e>
                                     <m:r>
-                                      <a:rPr lang="en-US" sz="2400" smtClean="0"/>
+                                      <a:rPr lang="en-US" sz="2400" smtClean="0">
+                                        <a:latin typeface="Cambria Math" panose="02040503050406030204" pitchFamily="18" charset="0"/>
+                                      </a:rPr>
                                       <m:t>𝑔</m:t>
                                     </m:r>
                                   </m:e>
                                   <m:sup>
                                     <m:r>
-                                      <a:rPr lang="en-US" sz="2400" smtClean="0"/>
+                                      <a:rPr lang="en-US" sz="2400" smtClean="0">
+                                        <a:latin typeface="Cambria Math" panose="02040503050406030204" pitchFamily="18" charset="0"/>
+                                      </a:rPr>
                                       <m:t>𝑘</m:t>
                                     </m:r>
                                   </m:sup>
                                 </m:sSup>
                                 <m:r>
-                                  <a:rPr lang="en-US" sz="2400" smtClean="0"/>
+                                  <a:rPr lang="en-US" sz="2400" smtClean="0">
+                                    <a:latin typeface="Cambria Math" panose="02040503050406030204" pitchFamily="18" charset="0"/>
+                                  </a:rPr>
                                   <m:t> </m:t>
                                 </m:r>
                                 <m:r>
                                   <m:rPr>
                                     <m:sty m:val="p"/>
                                   </m:rPr>
-                                  <a:rPr lang="en-US" sz="2400" smtClean="0"/>
+                                  <a:rPr lang="en-US" sz="2400" smtClean="0">
+                                    <a:latin typeface="Cambria Math" panose="02040503050406030204" pitchFamily="18" charset="0"/>
+                                  </a:rPr>
                                   <m:t>mod</m:t>
                                 </m:r>
                                 <m:r>
-                                  <a:rPr lang="en-US" sz="2400" smtClean="0"/>
+                                  <a:rPr lang="en-US" sz="2400" smtClean="0">
+                                    <a:latin typeface="Cambria Math" panose="02040503050406030204" pitchFamily="18" charset="0"/>
+                                  </a:rPr>
                                   <m:t> </m:t>
                                 </m:r>
                                 <m:r>
                                   <m:rPr>
                                     <m:sty m:val="p"/>
                                   </m:rPr>
-                                  <a:rPr lang="en-US" sz="2400" smtClean="0"/>
+                                  <a:rPr lang="en-US" sz="2400" smtClean="0">
+                                    <a:latin typeface="Cambria Math" panose="02040503050406030204" pitchFamily="18" charset="0"/>
+                                  </a:rPr>
                                   <m:t>p</m:t>
                                 </m:r>
                                 <m:r>
-                                  <a:rPr lang="en-US" sz="2400" smtClean="0"/>
+                                  <a:rPr lang="en-US" sz="2400" smtClean="0">
+                                    <a:latin typeface="Cambria Math" panose="02040503050406030204" pitchFamily="18" charset="0"/>
+                                  </a:rPr>
                                   <m:t> (</m:t>
                                 </m:r>
                                 <m:r>
                                   <m:rPr>
                                     <m:sty m:val="p"/>
                                   </m:rPr>
-                                  <a:rPr lang="en-US" sz="2400" smtClean="0"/>
+                                  <a:rPr lang="en-US" sz="2400" smtClean="0">
+                                    <a:latin typeface="Cambria Math" panose="02040503050406030204" pitchFamily="18" charset="0"/>
+                                  </a:rPr>
                                   <m:t>mod</m:t>
                                 </m:r>
                                 <m:r>
-                                  <a:rPr lang="en-US" sz="2400" smtClean="0"/>
+                                  <a:rPr lang="en-US" sz="2400" smtClean="0">
+                                    <a:latin typeface="Cambria Math" panose="02040503050406030204" pitchFamily="18" charset="0"/>
+                                  </a:rPr>
                                   <m:t> </m:t>
                                 </m:r>
                                 <m:r>
                                   <m:rPr>
                                     <m:sty m:val="p"/>
                                   </m:rPr>
-                                  <a:rPr lang="en-US" sz="2400" smtClean="0"/>
+                                  <a:rPr lang="en-US" sz="2400" smtClean="0">
+                                    <a:latin typeface="Cambria Math" panose="02040503050406030204" pitchFamily="18" charset="0"/>
+                                  </a:rPr>
                                   <m:t>q</m:t>
                                 </m:r>
                                 <m:r>
-                                  <a:rPr lang="en-US" sz="2400" smtClean="0"/>
+                                  <a:rPr lang="en-US" sz="2400" smtClean="0">
+                                    <a:latin typeface="Cambria Math" panose="02040503050406030204" pitchFamily="18" charset="0"/>
+                                  </a:rPr>
                                   <m:t>)</m:t>
                                 </m:r>
                               </m:oMath>
@@ -13001,28 +13074,38 @@
                           <a14:m>
                             <m:oMath xmlns:m="http://schemas.openxmlformats.org/officeDocument/2006/math">
                               <m:r>
-                                <a:rPr lang="en-US" sz="2400" smtClean="0"/>
+                                <a:rPr lang="en-US" sz="2400" smtClean="0">
+                                  <a:latin typeface="Cambria Math" panose="02040503050406030204" pitchFamily="18" charset="0"/>
+                                </a:rPr>
                                 <m:t>𝑠</m:t>
                               </m:r>
                               <m:r>
-                                <a:rPr lang="en-US" sz="2400" smtClean="0"/>
+                                <a:rPr lang="en-US" sz="2400" smtClean="0">
+                                  <a:latin typeface="Cambria Math" panose="02040503050406030204" pitchFamily="18" charset="0"/>
+                                </a:rPr>
                                 <m:t>=</m:t>
                               </m:r>
                               <m:sSup>
                                 <m:sSupPr>
                                   <m:ctrlPr>
-                                    <a:rPr lang="en-US" sz="2400" smtClean="0"/>
+                                    <a:rPr lang="en-US" sz="2400" i="1" smtClean="0">
+                                      <a:latin typeface="Cambria Math" panose="02040503050406030204" pitchFamily="18" charset="0"/>
+                                    </a:rPr>
                                   </m:ctrlPr>
                                 </m:sSupPr>
                                 <m:e>
                                   <m:r>
-                                    <a:rPr lang="en-US" sz="2400" smtClean="0"/>
+                                    <a:rPr lang="en-US" sz="2400" smtClean="0">
+                                      <a:latin typeface="Cambria Math" panose="02040503050406030204" pitchFamily="18" charset="0"/>
+                                    </a:rPr>
                                     <m:t>𝑘</m:t>
                                   </m:r>
                                 </m:e>
                                 <m:sup>
                                   <m:r>
-                                    <a:rPr lang="en-US" sz="2400" smtClean="0"/>
+                                    <a:rPr lang="en-US" sz="2400" smtClean="0">
+                                      <a:latin typeface="Cambria Math" panose="02040503050406030204" pitchFamily="18" charset="0"/>
+                                    </a:rPr>
                                     <m:t>−1</m:t>
                                   </m:r>
                                 </m:sup>
@@ -13030,39 +13113,53 @@
                               <m:d>
                                 <m:dPr>
                                   <m:ctrlPr>
-                                    <a:rPr lang="en-US" sz="2400" smtClean="0"/>
+                                    <a:rPr lang="en-US" sz="2400" i="1" smtClean="0">
+                                      <a:latin typeface="Cambria Math" panose="02040503050406030204" pitchFamily="18" charset="0"/>
+                                    </a:rPr>
                                   </m:ctrlPr>
                                 </m:dPr>
                                 <m:e>
                                   <m:r>
-                                    <a:rPr lang="en-US" sz="2400" smtClean="0"/>
+                                    <a:rPr lang="en-US" sz="2400" smtClean="0">
+                                      <a:latin typeface="Cambria Math" panose="02040503050406030204" pitchFamily="18" charset="0"/>
+                                    </a:rPr>
                                     <m:t>𝐻</m:t>
                                   </m:r>
                                   <m:d>
                                     <m:dPr>
                                       <m:ctrlPr>
-                                        <a:rPr lang="en-US" sz="2400" smtClean="0"/>
+                                        <a:rPr lang="en-US" sz="2400" i="1" smtClean="0">
+                                          <a:latin typeface="Cambria Math" panose="02040503050406030204" pitchFamily="18" charset="0"/>
+                                        </a:rPr>
                                       </m:ctrlPr>
                                     </m:dPr>
                                     <m:e>
                                       <m:r>
-                                        <a:rPr lang="en-US" sz="2400" smtClean="0"/>
+                                        <a:rPr lang="en-US" sz="2400" smtClean="0">
+                                          <a:latin typeface="Cambria Math" panose="02040503050406030204" pitchFamily="18" charset="0"/>
+                                        </a:rPr>
                                         <m:t>𝑚</m:t>
                                       </m:r>
                                     </m:e>
                                   </m:d>
                                   <m:r>
-                                    <a:rPr lang="en-US" sz="2400" smtClean="0"/>
+                                    <a:rPr lang="en-US" sz="2400" smtClean="0">
+                                      <a:latin typeface="Cambria Math" panose="02040503050406030204" pitchFamily="18" charset="0"/>
+                                    </a:rPr>
                                     <m:t>+</m:t>
                                   </m:r>
                                   <m:r>
-                                    <a:rPr lang="en-US" sz="2400" smtClean="0"/>
+                                    <a:rPr lang="en-US" sz="2400" smtClean="0">
+                                      <a:latin typeface="Cambria Math" panose="02040503050406030204" pitchFamily="18" charset="0"/>
+                                    </a:rPr>
                                     <m:t>𝑎𝑟</m:t>
                                   </m:r>
                                 </m:e>
                               </m:d>
                               <m:r>
-                                <a:rPr lang="en-US" sz="2400" smtClean="0"/>
+                                <a:rPr lang="en-US" sz="2400" smtClean="0">
+                                  <a:latin typeface="Cambria Math" panose="02040503050406030204" pitchFamily="18" charset="0"/>
+                                </a:rPr>
                                 <m:t>)</m:t>
                               </m:r>
                             </m:oMath>
@@ -13074,29 +13171,39 @@
                           <a14:m>
                             <m:oMath xmlns:m="http://schemas.openxmlformats.org/officeDocument/2006/math">
                               <m:r>
-                                <a:rPr lang="en-US" sz="2400"/>
+                                <a:rPr lang="en-US" sz="2400">
+                                  <a:latin typeface="Cambria Math" panose="02040503050406030204" pitchFamily="18" charset="0"/>
+                                </a:rPr>
                                 <m:t>(</m:t>
                               </m:r>
                               <m:r>
                                 <m:rPr>
                                   <m:sty m:val="p"/>
                                 </m:rPr>
-                                <a:rPr lang="en-US" sz="2400"/>
+                                <a:rPr lang="en-US" sz="2400">
+                                  <a:latin typeface="Cambria Math" panose="02040503050406030204" pitchFamily="18" charset="0"/>
+                                </a:rPr>
                                 <m:t>mod</m:t>
                               </m:r>
                               <m:r>
-                                <a:rPr lang="en-US" sz="2400"/>
+                                <a:rPr lang="en-US" sz="2400">
+                                  <a:latin typeface="Cambria Math" panose="02040503050406030204" pitchFamily="18" charset="0"/>
+                                </a:rPr>
                                 <m:t> </m:t>
                               </m:r>
                               <m:r>
                                 <m:rPr>
                                   <m:sty m:val="p"/>
                                 </m:rPr>
-                                <a:rPr lang="en-US" sz="2400"/>
+                                <a:rPr lang="en-US" sz="2400">
+                                  <a:latin typeface="Cambria Math" panose="02040503050406030204" pitchFamily="18" charset="0"/>
+                                </a:rPr>
                                 <m:t>q</m:t>
                               </m:r>
                               <m:r>
-                                <a:rPr lang="en-US" sz="2400"/>
+                                <a:rPr lang="en-US" sz="2400">
+                                  <a:latin typeface="Cambria Math" panose="02040503050406030204" pitchFamily="18" charset="0"/>
+                                </a:rPr>
                                 <m:t>)</m:t>
                               </m:r>
                             </m:oMath>
@@ -13110,27 +13217,39 @@
                           <a14:m>
                             <m:oMath xmlns:m="http://schemas.openxmlformats.org/officeDocument/2006/math">
                               <m:r>
-                                <a:rPr lang="en-US" sz="2400" smtClean="0"/>
+                                <a:rPr lang="en-US" sz="2400" smtClean="0">
+                                  <a:latin typeface="Cambria Math" panose="02040503050406030204" pitchFamily="18" charset="0"/>
+                                </a:rPr>
                                 <m:t>𝜎</m:t>
                               </m:r>
                               <m:r>
-                                <a:rPr lang="en-US" sz="2400" smtClean="0"/>
+                                <a:rPr lang="en-US" sz="2400" smtClean="0">
+                                  <a:latin typeface="Cambria Math" panose="02040503050406030204" pitchFamily="18" charset="0"/>
+                                </a:rPr>
                                 <m:t>=(</m:t>
                               </m:r>
                               <m:r>
-                                <a:rPr lang="en-US" sz="2400" smtClean="0"/>
+                                <a:rPr lang="en-US" sz="2400" smtClean="0">
+                                  <a:latin typeface="Cambria Math" panose="02040503050406030204" pitchFamily="18" charset="0"/>
+                                </a:rPr>
                                 <m:t>𝑟</m:t>
                               </m:r>
                               <m:r>
-                                <a:rPr lang="en-US" sz="2400" smtClean="0"/>
+                                <a:rPr lang="en-US" sz="2400" smtClean="0">
+                                  <a:latin typeface="Cambria Math" panose="02040503050406030204" pitchFamily="18" charset="0"/>
+                                </a:rPr>
                                 <m:t>,</m:t>
                               </m:r>
                               <m:r>
-                                <a:rPr lang="en-US" sz="2400" smtClean="0"/>
+                                <a:rPr lang="en-US" sz="2400" smtClean="0">
+                                  <a:latin typeface="Cambria Math" panose="02040503050406030204" pitchFamily="18" charset="0"/>
+                                </a:rPr>
                                 <m:t>𝑠</m:t>
                               </m:r>
                               <m:r>
-                                <a:rPr lang="en-US" sz="2400" smtClean="0"/>
+                                <a:rPr lang="en-US" sz="2400" smtClean="0">
+                                  <a:latin typeface="Cambria Math" panose="02040503050406030204" pitchFamily="18" charset="0"/>
+                                </a:rPr>
                                 <m:t>)</m:t>
                               </m:r>
                             </m:oMath>
@@ -13142,29 +13261,39 @@
                           <a14:m>
                             <m:oMath xmlns:m="http://schemas.openxmlformats.org/officeDocument/2006/math">
                               <m:r>
-                                <a:rPr lang="en-US" sz="2400"/>
+                                <a:rPr lang="en-US" sz="2400">
+                                  <a:latin typeface="Cambria Math" panose="02040503050406030204" pitchFamily="18" charset="0"/>
+                                </a:rPr>
                                 <m:t>(</m:t>
                               </m:r>
                               <m:r>
                                 <m:rPr>
                                   <m:sty m:val="p"/>
                                 </m:rPr>
-                                <a:rPr lang="en-US" sz="2400"/>
+                                <a:rPr lang="en-US" sz="2400">
+                                  <a:latin typeface="Cambria Math" panose="02040503050406030204" pitchFamily="18" charset="0"/>
+                                </a:rPr>
                                 <m:t>mod</m:t>
                               </m:r>
                               <m:r>
-                                <a:rPr lang="en-US" sz="2400"/>
+                                <a:rPr lang="en-US" sz="2400">
+                                  <a:latin typeface="Cambria Math" panose="02040503050406030204" pitchFamily="18" charset="0"/>
+                                </a:rPr>
                                 <m:t> </m:t>
                               </m:r>
                               <m:r>
                                 <m:rPr>
                                   <m:sty m:val="p"/>
                                 </m:rPr>
-                                <a:rPr lang="en-US" sz="2400"/>
+                                <a:rPr lang="en-US" sz="2400">
+                                  <a:latin typeface="Cambria Math" panose="02040503050406030204" pitchFamily="18" charset="0"/>
+                                </a:rPr>
                                 <m:t>q</m:t>
                               </m:r>
                               <m:r>
-                                <a:rPr lang="en-US" sz="2400"/>
+                                <a:rPr lang="en-US" sz="2400">
+                                  <a:latin typeface="Cambria Math" panose="02040503050406030204" pitchFamily="18" charset="0"/>
+                                </a:rPr>
                                 <m:t>)</m:t>
                               </m:r>
                             </m:oMath>
@@ -13192,83 +13321,117 @@
                               </m:oMathParaPr>
                               <m:oMath xmlns:m="http://schemas.openxmlformats.org/officeDocument/2006/math">
                                 <m:r>
-                                  <a:rPr lang="en-US" sz="2400" dirty="0" smtClean="0"/>
+                                  <a:rPr lang="en-US" sz="2400" dirty="0" smtClean="0">
+                                    <a:latin typeface="Cambria Math" panose="02040503050406030204" pitchFamily="18" charset="0"/>
+                                  </a:rPr>
                                   <m:t>𝑽</m:t>
                                 </m:r>
                                 <m:r>
-                                  <a:rPr lang="en-US" sz="2400" dirty="0" smtClean="0"/>
+                                  <a:rPr lang="en-US" sz="2400" dirty="0" smtClean="0">
+                                    <a:latin typeface="Cambria Math" panose="02040503050406030204" pitchFamily="18" charset="0"/>
+                                  </a:rPr>
                                   <m:t>(</m:t>
                                 </m:r>
                                 <m:r>
-                                  <a:rPr lang="en-US" sz="2400" dirty="0" smtClean="0"/>
+                                  <a:rPr lang="en-US" sz="2400" dirty="0" smtClean="0">
+                                    <a:latin typeface="Cambria Math" panose="02040503050406030204" pitchFamily="18" charset="0"/>
+                                  </a:rPr>
                                   <m:t>𝑷𝑲</m:t>
                                 </m:r>
                                 <m:r>
-                                  <a:rPr lang="en-US" sz="2400" dirty="0" smtClean="0"/>
+                                  <a:rPr lang="en-US" sz="2400" dirty="0" smtClean="0">
+                                    <a:latin typeface="Cambria Math" panose="02040503050406030204" pitchFamily="18" charset="0"/>
+                                  </a:rPr>
                                   <m:t> = </m:t>
                                 </m:r>
                                 <m:d>
                                   <m:dPr>
                                     <m:ctrlPr>
-                                      <a:rPr lang="en-US" sz="2400" dirty="0" smtClean="0"/>
+                                      <a:rPr lang="en-US" sz="2400" i="1" dirty="0" smtClean="0">
+                                        <a:latin typeface="Cambria Math" panose="02040503050406030204" pitchFamily="18" charset="0"/>
+                                      </a:rPr>
                                     </m:ctrlPr>
                                   </m:dPr>
                                   <m:e>
                                     <m:r>
-                                      <a:rPr lang="en-US" sz="2400"/>
+                                      <a:rPr lang="en-US" sz="2400">
+                                        <a:latin typeface="Cambria Math" panose="02040503050406030204" pitchFamily="18" charset="0"/>
+                                      </a:rPr>
                                       <m:t>𝒈</m:t>
                                     </m:r>
                                     <m:r>
-                                      <a:rPr lang="en-US" sz="2400"/>
+                                      <a:rPr lang="en-US" sz="2400">
+                                        <a:latin typeface="Cambria Math" panose="02040503050406030204" pitchFamily="18" charset="0"/>
+                                      </a:rPr>
                                       <m:t>, </m:t>
                                     </m:r>
                                     <m:r>
-                                      <a:rPr lang="en-US" sz="2400"/>
+                                      <a:rPr lang="en-US" sz="2400">
+                                        <a:latin typeface="Cambria Math" panose="02040503050406030204" pitchFamily="18" charset="0"/>
+                                      </a:rPr>
                                       <m:t>𝒉</m:t>
                                     </m:r>
                                     <m:r>
-                                      <a:rPr lang="en-US" sz="2400"/>
+                                      <a:rPr lang="en-US" sz="2400">
+                                        <a:latin typeface="Cambria Math" panose="02040503050406030204" pitchFamily="18" charset="0"/>
+                                      </a:rPr>
                                       <m:t>=</m:t>
                                     </m:r>
                                     <m:sSup>
                                       <m:sSupPr>
                                         <m:ctrlPr>
-                                          <a:rPr lang="en-US" sz="2400"/>
+                                          <a:rPr lang="en-US" sz="2400" i="1">
+                                            <a:latin typeface="Cambria Math" panose="02040503050406030204" pitchFamily="18" charset="0"/>
+                                          </a:rPr>
                                         </m:ctrlPr>
                                       </m:sSupPr>
                                       <m:e>
                                         <m:r>
-                                          <a:rPr lang="en-US" sz="2400"/>
+                                          <a:rPr lang="en-US" sz="2400">
+                                            <a:latin typeface="Cambria Math" panose="02040503050406030204" pitchFamily="18" charset="0"/>
+                                          </a:rPr>
                                           <m:t>𝒈</m:t>
                                         </m:r>
                                       </m:e>
                                       <m:sup>
                                         <m:r>
-                                          <a:rPr lang="en-US" sz="2400"/>
+                                          <a:rPr lang="en-US" sz="2400">
+                                            <a:latin typeface="Cambria Math" panose="02040503050406030204" pitchFamily="18" charset="0"/>
+                                          </a:rPr>
                                           <m:t>𝒂</m:t>
                                         </m:r>
                                       </m:sup>
                                     </m:sSup>
                                     <m:r>
-                                      <a:rPr lang="en-US" sz="2400" smtClean="0"/>
+                                      <a:rPr lang="en-US" sz="2400" smtClean="0">
+                                        <a:latin typeface="Cambria Math" panose="02040503050406030204" pitchFamily="18" charset="0"/>
+                                      </a:rPr>
                                       <m:t>, </m:t>
                                     </m:r>
                                     <m:r>
-                                      <a:rPr lang="en-US" sz="2400" smtClean="0"/>
+                                      <a:rPr lang="en-US" sz="2400" smtClean="0">
+                                        <a:latin typeface="Cambria Math" panose="02040503050406030204" pitchFamily="18" charset="0"/>
+                                      </a:rPr>
                                       <m:t>𝒎</m:t>
                                     </m:r>
                                     <m:r>
-                                      <a:rPr lang="en-US" sz="2400" smtClean="0"/>
+                                      <a:rPr lang="en-US" sz="2400" smtClean="0">
+                                        <a:latin typeface="Cambria Math" panose="02040503050406030204" pitchFamily="18" charset="0"/>
+                                      </a:rPr>
                                       <m:t>, </m:t>
                                     </m:r>
                                     <m:r>
-                                      <a:rPr lang="en-US" sz="2400" smtClean="0"/>
+                                      <a:rPr lang="en-US" sz="2400" smtClean="0">
+                                        <a:latin typeface="Cambria Math" panose="02040503050406030204" pitchFamily="18" charset="0"/>
+                                      </a:rPr>
                                       <m:t>𝝈</m:t>
                                     </m:r>
                                   </m:e>
                                 </m:d>
                                 <m:r>
-                                  <a:rPr lang="en-US" sz="2400" smtClean="0"/>
+                                  <a:rPr lang="en-US" sz="2400" smtClean="0">
+                                    <a:latin typeface="Cambria Math" panose="02040503050406030204" pitchFamily="18" charset="0"/>
+                                  </a:rPr>
                                   <m:t>:</m:t>
                                 </m:r>
                               </m:oMath>
@@ -13287,49 +13450,67 @@
                               </m:oMathParaPr>
                               <m:oMath xmlns:m="http://schemas.openxmlformats.org/officeDocument/2006/math">
                                 <m:r>
-                                  <a:rPr lang="en-US" sz="2400" smtClean="0"/>
+                                  <a:rPr lang="en-US" sz="2400" smtClean="0">
+                                    <a:latin typeface="Cambria Math" panose="02040503050406030204" pitchFamily="18" charset="0"/>
+                                  </a:rPr>
                                   <m:t>𝑤</m:t>
                                 </m:r>
                                 <m:r>
-                                  <a:rPr lang="en-US" sz="2400" smtClean="0"/>
+                                  <a:rPr lang="en-US" sz="2400" smtClean="0">
+                                    <a:latin typeface="Cambria Math" panose="02040503050406030204" pitchFamily="18" charset="0"/>
+                                  </a:rPr>
                                   <m:t>=</m:t>
                                 </m:r>
                                 <m:sSup>
                                   <m:sSupPr>
                                     <m:ctrlPr>
-                                      <a:rPr lang="en-US" sz="2400" smtClean="0"/>
+                                      <a:rPr lang="en-US" sz="2400" i="1" smtClean="0">
+                                        <a:latin typeface="Cambria Math" panose="02040503050406030204" pitchFamily="18" charset="0"/>
+                                      </a:rPr>
                                     </m:ctrlPr>
                                   </m:sSupPr>
                                   <m:e>
                                     <m:r>
-                                      <a:rPr lang="en-US" sz="2400" smtClean="0"/>
+                                      <a:rPr lang="en-US" sz="2400" smtClean="0">
+                                        <a:latin typeface="Cambria Math" panose="02040503050406030204" pitchFamily="18" charset="0"/>
+                                      </a:rPr>
                                       <m:t>𝑠</m:t>
                                     </m:r>
                                   </m:e>
                                   <m:sup>
                                     <m:r>
-                                      <a:rPr lang="en-US" sz="2400" smtClean="0"/>
+                                      <a:rPr lang="en-US" sz="2400" smtClean="0">
+                                        <a:latin typeface="Cambria Math" panose="02040503050406030204" pitchFamily="18" charset="0"/>
+                                      </a:rPr>
                                       <m:t>−1</m:t>
                                     </m:r>
                                   </m:sup>
                                 </m:sSup>
                                 <m:r>
-                                  <a:rPr lang="en-US" sz="2400" smtClean="0"/>
+                                  <a:rPr lang="en-US" sz="2400" smtClean="0">
+                                    <a:latin typeface="Cambria Math" panose="02040503050406030204" pitchFamily="18" charset="0"/>
+                                  </a:rPr>
                                   <m:t> </m:t>
                                 </m:r>
                                 <m:r>
                                   <m:rPr>
                                     <m:sty m:val="p"/>
                                   </m:rPr>
-                                  <a:rPr lang="en-US" sz="2400" smtClean="0"/>
+                                  <a:rPr lang="en-US" sz="2400" smtClean="0">
+                                    <a:latin typeface="Cambria Math" panose="02040503050406030204" pitchFamily="18" charset="0"/>
+                                  </a:rPr>
                                   <m:t>mod</m:t>
                                 </m:r>
                                 <m:r>
-                                  <a:rPr lang="en-US" sz="2400" smtClean="0"/>
+                                  <a:rPr lang="en-US" sz="2400" smtClean="0">
+                                    <a:latin typeface="Cambria Math" panose="02040503050406030204" pitchFamily="18" charset="0"/>
+                                  </a:rPr>
                                   <m:t> </m:t>
                                 </m:r>
                                 <m:r>
-                                  <a:rPr lang="en-US" sz="2400" smtClean="0"/>
+                                  <a:rPr lang="en-US" sz="2400" smtClean="0">
+                                    <a:latin typeface="Cambria Math" panose="02040503050406030204" pitchFamily="18" charset="0"/>
+                                  </a:rPr>
                                   <m:t>𝑞</m:t>
                                 </m:r>
                               </m:oMath>
@@ -13350,64 +13531,88 @@
                                 <m:sSub>
                                   <m:sSubPr>
                                     <m:ctrlPr>
-                                      <a:rPr lang="en-US" sz="2400" smtClean="0"/>
+                                      <a:rPr lang="en-US" sz="2400" i="1" smtClean="0">
+                                        <a:latin typeface="Cambria Math" panose="02040503050406030204" pitchFamily="18" charset="0"/>
+                                      </a:rPr>
                                     </m:ctrlPr>
                                   </m:sSubPr>
                                   <m:e>
                                     <m:r>
-                                      <a:rPr lang="en-US" sz="2400" smtClean="0"/>
+                                      <a:rPr lang="en-US" sz="2400" smtClean="0">
+                                        <a:latin typeface="Cambria Math" panose="02040503050406030204" pitchFamily="18" charset="0"/>
+                                      </a:rPr>
                                       <m:t>𝑢</m:t>
                                     </m:r>
                                   </m:e>
                                   <m:sub>
                                     <m:r>
-                                      <a:rPr lang="en-US" sz="2400" smtClean="0"/>
+                                      <a:rPr lang="en-US" sz="2400" smtClean="0">
+                                        <a:latin typeface="Cambria Math" panose="02040503050406030204" pitchFamily="18" charset="0"/>
+                                      </a:rPr>
                                       <m:t>1</m:t>
                                     </m:r>
                                   </m:sub>
                                 </m:sSub>
                                 <m:r>
-                                  <a:rPr lang="en-US" sz="2400" smtClean="0"/>
+                                  <a:rPr lang="en-US" sz="2400" smtClean="0">
+                                    <a:latin typeface="Cambria Math" panose="02040503050406030204" pitchFamily="18" charset="0"/>
+                                  </a:rPr>
                                   <m:t>=</m:t>
                                 </m:r>
                                 <m:r>
-                                  <a:rPr lang="en-US" sz="2400" smtClean="0"/>
+                                  <a:rPr lang="en-US" sz="2400" smtClean="0">
+                                    <a:latin typeface="Cambria Math" panose="02040503050406030204" pitchFamily="18" charset="0"/>
+                                  </a:rPr>
                                   <m:t>𝐻</m:t>
                                 </m:r>
                                 <m:d>
                                   <m:dPr>
                                     <m:ctrlPr>
-                                      <a:rPr lang="en-US" sz="2400" smtClean="0"/>
+                                      <a:rPr lang="en-US" sz="2400" i="1" smtClean="0">
+                                        <a:latin typeface="Cambria Math" panose="02040503050406030204" pitchFamily="18" charset="0"/>
+                                      </a:rPr>
                                     </m:ctrlPr>
                                   </m:dPr>
                                   <m:e>
                                     <m:r>
-                                      <a:rPr lang="en-US" sz="2400" smtClean="0"/>
+                                      <a:rPr lang="en-US" sz="2400" smtClean="0">
+                                        <a:latin typeface="Cambria Math" panose="02040503050406030204" pitchFamily="18" charset="0"/>
+                                      </a:rPr>
                                       <m:t>𝑚</m:t>
                                     </m:r>
                                   </m:e>
                                 </m:d>
                                 <m:r>
-                                  <a:rPr lang="en-US" sz="2400" smtClean="0"/>
+                                  <a:rPr lang="en-US" sz="2400" smtClean="0">
+                                    <a:latin typeface="Cambria Math" panose="02040503050406030204" pitchFamily="18" charset="0"/>
+                                  </a:rPr>
                                   <m:t>𝑤</m:t>
                                 </m:r>
                                 <m:r>
-                                  <a:rPr lang="en-US" sz="2400" smtClean="0"/>
+                                  <a:rPr lang="en-US" sz="2400" smtClean="0">
+                                    <a:latin typeface="Cambria Math" panose="02040503050406030204" pitchFamily="18" charset="0"/>
+                                  </a:rPr>
                                   <m:t> </m:t>
                                 </m:r>
                                 <m:r>
                                   <m:rPr>
                                     <m:sty m:val="p"/>
                                   </m:rPr>
-                                  <a:rPr lang="en-US" sz="2400" smtClean="0"/>
+                                  <a:rPr lang="en-US" sz="2400" smtClean="0">
+                                    <a:latin typeface="Cambria Math" panose="02040503050406030204" pitchFamily="18" charset="0"/>
+                                  </a:rPr>
                                   <m:t>mod</m:t>
                                 </m:r>
                                 <m:r>
-                                  <a:rPr lang="en-US" sz="2400" smtClean="0"/>
+                                  <a:rPr lang="en-US" sz="2400" smtClean="0">
+                                    <a:latin typeface="Cambria Math" panose="02040503050406030204" pitchFamily="18" charset="0"/>
+                                  </a:rPr>
                                   <m:t> </m:t>
                                 </m:r>
                                 <m:r>
-                                  <a:rPr lang="en-US" sz="2400" smtClean="0"/>
+                                  <a:rPr lang="en-US" sz="2400" smtClean="0">
+                                    <a:latin typeface="Cambria Math" panose="02040503050406030204" pitchFamily="18" charset="0"/>
+                                  </a:rPr>
                                   <m:t>𝑞</m:t>
                                 </m:r>
                               </m:oMath>
@@ -13428,47 +13633,65 @@
                                 <m:sSub>
                                   <m:sSubPr>
                                     <m:ctrlPr>
-                                      <a:rPr lang="en-US" sz="2400" smtClean="0"/>
+                                      <a:rPr lang="en-US" sz="2400" i="1" smtClean="0">
+                                        <a:latin typeface="Cambria Math" panose="02040503050406030204" pitchFamily="18" charset="0"/>
+                                      </a:rPr>
                                     </m:ctrlPr>
                                   </m:sSubPr>
                                   <m:e>
                                     <m:r>
-                                      <a:rPr lang="en-US" sz="2400" smtClean="0"/>
+                                      <a:rPr lang="en-US" sz="2400" smtClean="0">
+                                        <a:latin typeface="Cambria Math" panose="02040503050406030204" pitchFamily="18" charset="0"/>
+                                      </a:rPr>
                                       <m:t>𝑢</m:t>
                                     </m:r>
                                   </m:e>
                                   <m:sub>
                                     <m:r>
-                                      <a:rPr lang="en-US" sz="2400" smtClean="0"/>
+                                      <a:rPr lang="en-US" sz="2400" smtClean="0">
+                                        <a:latin typeface="Cambria Math" panose="02040503050406030204" pitchFamily="18" charset="0"/>
+                                      </a:rPr>
                                       <m:t>2</m:t>
                                     </m:r>
                                   </m:sub>
                                 </m:sSub>
                                 <m:r>
-                                  <a:rPr lang="en-US" sz="2400" smtClean="0"/>
+                                  <a:rPr lang="en-US" sz="2400" smtClean="0">
+                                    <a:latin typeface="Cambria Math" panose="02040503050406030204" pitchFamily="18" charset="0"/>
+                                  </a:rPr>
                                   <m:t>=</m:t>
                                 </m:r>
                                 <m:r>
-                                  <a:rPr lang="en-US" sz="2400" smtClean="0"/>
+                                  <a:rPr lang="en-US" sz="2400" smtClean="0">
+                                    <a:latin typeface="Cambria Math" panose="02040503050406030204" pitchFamily="18" charset="0"/>
+                                  </a:rPr>
                                   <m:t>𝑟𝑤</m:t>
                                 </m:r>
                                 <m:r>
-                                  <a:rPr lang="en-US" sz="2400" smtClean="0"/>
+                                  <a:rPr lang="en-US" sz="2400" smtClean="0">
+                                    <a:latin typeface="Cambria Math" panose="02040503050406030204" pitchFamily="18" charset="0"/>
+                                  </a:rPr>
                                   <m:t> </m:t>
                                 </m:r>
                                 <m:r>
                                   <m:rPr>
                                     <m:sty m:val="p"/>
                                   </m:rPr>
-                                  <a:rPr lang="en-US" sz="2400" smtClean="0"/>
+                                  <a:rPr lang="en-US" sz="2400" smtClean="0">
+                                    <a:latin typeface="Cambria Math" panose="02040503050406030204" pitchFamily="18" charset="0"/>
+                                  </a:rPr>
                                   <m:t>mod</m:t>
                                 </m:r>
                                 <m:r>
-                                  <a:rPr lang="en-US" sz="2400" smtClean="0"/>
+                                  <a:rPr lang="en-US" sz="2400" smtClean="0">
+                                    <a:latin typeface="Cambria Math" panose="02040503050406030204" pitchFamily="18" charset="0"/>
+                                  </a:rPr>
                                   <m:t> </m:t>
                                 </m:r>
                                 <m:r>
-                                  <a:rPr lang="en-US" sz="2400" smtClean="0"/>
+                                  <a:rPr lang="en-US" sz="2400" smtClean="0">
+                                    <a:latin typeface="Cambria Math" panose="02040503050406030204" pitchFamily="18" charset="0"/>
+                                  </a:rPr>
                                   <m:t>𝑞</m:t>
                                 </m:r>
                               </m:oMath>
@@ -13487,29 +13710,39 @@
                               </m:oMathParaPr>
                               <m:oMath xmlns:m="http://schemas.openxmlformats.org/officeDocument/2006/math">
                                 <m:r>
-                                  <a:rPr lang="en-US" sz="2400" smtClean="0"/>
+                                  <a:rPr lang="en-US" sz="2400" smtClean="0">
+                                    <a:latin typeface="Cambria Math" panose="02040503050406030204" pitchFamily="18" charset="0"/>
+                                  </a:rPr>
                                   <m:t>𝑣</m:t>
                                 </m:r>
                                 <m:r>
-                                  <a:rPr lang="en-US" sz="2400" smtClean="0"/>
+                                  <a:rPr lang="en-US" sz="2400" smtClean="0">
+                                    <a:latin typeface="Cambria Math" panose="02040503050406030204" pitchFamily="18" charset="0"/>
+                                  </a:rPr>
                                   <m:t>=</m:t>
                                 </m:r>
                                 <m:d>
                                   <m:dPr>
                                     <m:ctrlPr>
-                                      <a:rPr lang="en-US" sz="2400" smtClean="0"/>
+                                      <a:rPr lang="en-US" sz="2400" i="1" smtClean="0">
+                                        <a:latin typeface="Cambria Math" panose="02040503050406030204" pitchFamily="18" charset="0"/>
+                                      </a:rPr>
                                     </m:ctrlPr>
                                   </m:dPr>
                                   <m:e>
                                     <m:sSup>
                                       <m:sSupPr>
                                         <m:ctrlPr>
-                                          <a:rPr lang="en-US" sz="2400" smtClean="0"/>
+                                          <a:rPr lang="en-US" sz="2400" i="1" smtClean="0">
+                                            <a:latin typeface="Cambria Math" panose="02040503050406030204" pitchFamily="18" charset="0"/>
+                                          </a:rPr>
                                         </m:ctrlPr>
                                       </m:sSupPr>
                                       <m:e>
                                         <m:r>
-                                          <a:rPr lang="en-US" sz="2400" smtClean="0"/>
+                                          <a:rPr lang="en-US" sz="2400" smtClean="0">
+                                            <a:latin typeface="Cambria Math" panose="02040503050406030204" pitchFamily="18" charset="0"/>
+                                          </a:rPr>
                                           <m:t>𝑔</m:t>
                                         </m:r>
                                       </m:e>
@@ -13517,18 +13750,24 @@
                                         <m:sSub>
                                           <m:sSubPr>
                                             <m:ctrlPr>
-                                              <a:rPr lang="en-US" sz="2400" smtClean="0"/>
+                                              <a:rPr lang="en-US" sz="2400" i="1" smtClean="0">
+                                                <a:latin typeface="Cambria Math" panose="02040503050406030204" pitchFamily="18" charset="0"/>
+                                              </a:rPr>
                                             </m:ctrlPr>
                                           </m:sSubPr>
                                           <m:e>
                                             <m:r>
-                                              <a:rPr lang="en-US" sz="2400" smtClean="0"/>
+                                              <a:rPr lang="en-US" sz="2400" smtClean="0">
+                                                <a:latin typeface="Cambria Math" panose="02040503050406030204" pitchFamily="18" charset="0"/>
+                                              </a:rPr>
                                               <m:t>𝑢</m:t>
                                             </m:r>
                                           </m:e>
                                           <m:sub>
                                             <m:r>
-                                              <a:rPr lang="en-US" sz="2400" smtClean="0"/>
+                                              <a:rPr lang="en-US" sz="2400" smtClean="0">
+                                                <a:latin typeface="Cambria Math" panose="02040503050406030204" pitchFamily="18" charset="0"/>
+                                              </a:rPr>
                                               <m:t>1</m:t>
                                             </m:r>
                                           </m:sub>
@@ -13538,12 +13777,16 @@
                                     <m:sSup>
                                       <m:sSupPr>
                                         <m:ctrlPr>
-                                          <a:rPr lang="en-US" sz="2400" smtClean="0"/>
+                                          <a:rPr lang="en-US" sz="2400" i="1" smtClean="0">
+                                            <a:latin typeface="Cambria Math" panose="02040503050406030204" pitchFamily="18" charset="0"/>
+                                          </a:rPr>
                                         </m:ctrlPr>
                                       </m:sSupPr>
                                       <m:e>
                                         <m:r>
-                                          <a:rPr lang="en-US" sz="2400" smtClean="0"/>
+                                          <a:rPr lang="en-US" sz="2400" smtClean="0">
+                                            <a:latin typeface="Cambria Math" panose="02040503050406030204" pitchFamily="18" charset="0"/>
+                                          </a:rPr>
                                           <m:t>h</m:t>
                                         </m:r>
                                       </m:e>
@@ -13551,18 +13794,24 @@
                                         <m:sSub>
                                           <m:sSubPr>
                                             <m:ctrlPr>
-                                              <a:rPr lang="en-US" sz="2400" smtClean="0"/>
+                                              <a:rPr lang="en-US" sz="2400" i="1" smtClean="0">
+                                                <a:latin typeface="Cambria Math" panose="02040503050406030204" pitchFamily="18" charset="0"/>
+                                              </a:rPr>
                                             </m:ctrlPr>
                                           </m:sSubPr>
                                           <m:e>
                                             <m:r>
-                                              <a:rPr lang="en-US" sz="2400" smtClean="0"/>
+                                              <a:rPr lang="en-US" sz="2400" smtClean="0">
+                                                <a:latin typeface="Cambria Math" panose="02040503050406030204" pitchFamily="18" charset="0"/>
+                                              </a:rPr>
                                               <m:t>𝑢</m:t>
                                             </m:r>
                                           </m:e>
                                           <m:sub>
                                             <m:r>
-                                              <a:rPr lang="en-US" sz="2400" smtClean="0"/>
+                                              <a:rPr lang="en-US" sz="2400" smtClean="0">
+                                                <a:latin typeface="Cambria Math" panose="02040503050406030204" pitchFamily="18" charset="0"/>
+                                              </a:rPr>
                                               <m:t>2</m:t>
                                             </m:r>
                                           </m:sub>
@@ -13570,40 +13819,56 @@
                                       </m:sup>
                                     </m:sSup>
                                     <m:r>
-                                      <a:rPr lang="en-US" sz="2400" smtClean="0"/>
+                                      <a:rPr lang="en-US" sz="2400" smtClean="0">
+                                        <a:latin typeface="Cambria Math" panose="02040503050406030204" pitchFamily="18" charset="0"/>
+                                      </a:rPr>
                                       <m:t> </m:t>
                                     </m:r>
                                     <m:r>
-                                      <a:rPr lang="en-US" sz="2400" smtClean="0"/>
+                                      <a:rPr lang="en-US" sz="2400" smtClean="0">
+                                        <a:latin typeface="Cambria Math" panose="02040503050406030204" pitchFamily="18" charset="0"/>
+                                      </a:rPr>
                                       <m:t>𝑚𝑜𝑑</m:t>
                                     </m:r>
                                     <m:r>
-                                      <a:rPr lang="en-US" sz="2400" smtClean="0"/>
+                                      <a:rPr lang="en-US" sz="2400" smtClean="0">
+                                        <a:latin typeface="Cambria Math" panose="02040503050406030204" pitchFamily="18" charset="0"/>
+                                      </a:rPr>
                                       <m:t> </m:t>
                                     </m:r>
                                     <m:r>
-                                      <a:rPr lang="en-US" sz="2400" smtClean="0"/>
+                                      <a:rPr lang="en-US" sz="2400" smtClean="0">
+                                        <a:latin typeface="Cambria Math" panose="02040503050406030204" pitchFamily="18" charset="0"/>
+                                      </a:rPr>
                                       <m:t>𝑝</m:t>
                                     </m:r>
                                   </m:e>
                                 </m:d>
                                 <m:r>
-                                  <a:rPr lang="en-US" sz="2400" smtClean="0"/>
+                                  <a:rPr lang="en-US" sz="2400" smtClean="0">
+                                    <a:latin typeface="Cambria Math" panose="02040503050406030204" pitchFamily="18" charset="0"/>
+                                  </a:rPr>
                                   <m:t> </m:t>
                                 </m:r>
                                 <m:r>
                                   <m:rPr>
                                     <m:sty m:val="p"/>
                                   </m:rPr>
-                                  <a:rPr lang="en-US" sz="2400" smtClean="0"/>
+                                  <a:rPr lang="en-US" sz="2400" smtClean="0">
+                                    <a:latin typeface="Cambria Math" panose="02040503050406030204" pitchFamily="18" charset="0"/>
+                                  </a:rPr>
                                   <m:t>mod</m:t>
                                 </m:r>
                                 <m:r>
-                                  <a:rPr lang="en-US" sz="2400" smtClean="0"/>
+                                  <a:rPr lang="en-US" sz="2400" smtClean="0">
+                                    <a:latin typeface="Cambria Math" panose="02040503050406030204" pitchFamily="18" charset="0"/>
+                                  </a:rPr>
                                   <m:t> </m:t>
                                 </m:r>
                                 <m:r>
-                                  <a:rPr lang="en-US" sz="2400" smtClean="0"/>
+                                  <a:rPr lang="en-US" sz="2400" smtClean="0">
+                                    <a:latin typeface="Cambria Math" panose="02040503050406030204" pitchFamily="18" charset="0"/>
+                                  </a:rPr>
                                   <m:t>𝑞</m:t>
                                 </m:r>
                               </m:oMath>
@@ -13622,15 +13887,21 @@
                               </m:oMathParaPr>
                               <m:oMath xmlns:m="http://schemas.openxmlformats.org/officeDocument/2006/math">
                                 <m:r>
-                                  <a:rPr lang="en-US" sz="2400" smtClean="0"/>
+                                  <a:rPr lang="en-US" sz="2400" smtClean="0">
+                                    <a:latin typeface="Cambria Math" panose="02040503050406030204" pitchFamily="18" charset="0"/>
+                                  </a:rPr>
                                   <m:t>𝑣</m:t>
                                 </m:r>
                                 <m:r>
-                                  <a:rPr lang="en-US" sz="2400" smtClean="0"/>
+                                  <a:rPr lang="en-US" sz="2400" smtClean="0">
+                                    <a:latin typeface="Cambria Math" panose="02040503050406030204" pitchFamily="18" charset="0"/>
+                                  </a:rPr>
                                   <m:t>=?</m:t>
                                 </m:r>
                                 <m:r>
-                                  <a:rPr lang="en-US" sz="2400" smtClean="0"/>
+                                  <a:rPr lang="en-US" sz="2400" smtClean="0">
+                                    <a:latin typeface="Cambria Math" panose="02040503050406030204" pitchFamily="18" charset="0"/>
+                                  </a:rPr>
                                   <m:t>𝑟</m:t>
                                 </m:r>
                               </m:oMath>
@@ -13655,7 +13926,7 @@
             </a:graphic>
           </p:graphicFrame>
         </mc:Choice>
-        <mc:Fallback>
+        <mc:Fallback xmlns="">
           <p:graphicFrame>
             <p:nvGraphicFramePr>
               <p:cNvPr id="5" name="Таблица 4"/>
@@ -15225,8 +15496,8 @@
           </a:p>
         </p:txBody>
       </p:sp>
-      <mc:AlternateContent xmlns:mc="http://schemas.openxmlformats.org/markup-compatibility/2006">
-        <mc:Choice xmlns:a14="http://schemas.microsoft.com/office/drawing/2010/main" Requires="a14">
+      <mc:AlternateContent xmlns:mc="http://schemas.openxmlformats.org/markup-compatibility/2006" xmlns:a14="http://schemas.microsoft.com/office/drawing/2010/main">
+        <mc:Choice Requires="a14">
           <p:sp>
             <p:nvSpPr>
               <p:cNvPr id="3" name="Объект 2"/>
@@ -15351,7 +15622,7 @@
             </p:txBody>
           </p:sp>
         </mc:Choice>
-        <mc:Fallback>
+        <mc:Fallback xmlns="">
           <p:sp>
             <p:nvSpPr>
               <p:cNvPr id="3" name="Объект 2"/>
@@ -16149,13 +16420,8 @@
           <a:p>
             <a:r>
               <a:rPr lang="ru-RU" dirty="0" smtClean="0"/>
-              <a:t>Предполагается секретность только закрытого ключа, открытый ключ </a:t>
-            </a:r>
-            <a:r>
-              <a:rPr lang="ru-RU" dirty="0" smtClean="0"/>
-              <a:t>общеизвестен</a:t>
-            </a:r>
-            <a:endParaRPr lang="ru-RU" dirty="0" smtClean="0"/>
+              <a:t>Предполагается секретность только закрытого ключа, открытый ключ общеизвестен</a:t>
+            </a:r>
           </a:p>
           <a:p>
             <a:r>
@@ -18250,8 +18516,8 @@
           </a:p>
         </p:txBody>
       </p:sp>
-      <mc:AlternateContent xmlns:mc="http://schemas.openxmlformats.org/markup-compatibility/2006" xmlns:p14="http://schemas.microsoft.com/office/powerpoint/2010/main">
-        <mc:Choice Requires="p14">
+      <mc:AlternateContent xmlns:mc="http://schemas.openxmlformats.org/markup-compatibility/2006">
+        <mc:Choice xmlns:p14="http://schemas.microsoft.com/office/powerpoint/2010/main" Requires="p14">
           <p:contentPart p14:bwMode="auto" r:id="rId3">
             <p14:nvContentPartPr>
               <p14:cNvPr id="22" name="Ink 7"/>
@@ -18259,12 +18525,12 @@
               <p14:nvPr/>
             </p14:nvContentPartPr>
             <p14:xfrm>
-              <a:off x="4033038" y="3613157"/>
+              <a:off x="4068207" y="3601319"/>
               <a:ext cx="2786760" cy="1023120"/>
             </p14:xfrm>
           </p:contentPart>
         </mc:Choice>
-        <mc:Fallback xmlns="">
+        <mc:Fallback>
           <p:pic>
             <p:nvPicPr>
               <p:cNvPr id="22" name="Ink 7"/>
@@ -18279,7 +18545,7 @@
             </p:blipFill>
             <p:spPr>
               <a:xfrm>
-                <a:off x="4021878" y="3602357"/>
+                <a:off x="4057047" y="3590519"/>
                 <a:ext cx="2811240" cy="1046160"/>
               </a:xfrm>
               <a:prstGeom prst="rect">

--- a/Lectures/PublicKeyLite.pptx
+++ b/Lectures/PublicKeyLite.pptx
@@ -323,7 +323,7 @@
           <a:p>
             <a:fld id="{CBA08D16-15DC-4E25-BDC3-F25146157B16}" type="datetimeFigureOut">
               <a:rPr lang="ru-RU" smtClean="0"/>
-              <a:t>06.05.2020</a:t>
+              <a:t>29.04.2021</a:t>
             </a:fld>
             <a:endParaRPr lang="ru-RU"/>
           </a:p>
@@ -830,7 +830,7 @@
           <a:p>
             <a:fld id="{FCEC8293-DB51-454A-BE81-EC8FCB31EBA2}" type="datetime1">
               <a:rPr lang="ru-RU" smtClean="0"/>
-              <a:t>06.05.2020</a:t>
+              <a:t>29.04.2021</a:t>
             </a:fld>
             <a:endParaRPr lang="ru-RU"/>
           </a:p>
@@ -1004,7 +1004,7 @@
           <a:p>
             <a:fld id="{241C87B1-1C35-4DBD-BC18-2BC72E776603}" type="datetime1">
               <a:rPr lang="ru-RU" smtClean="0"/>
-              <a:t>06.05.2020</a:t>
+              <a:t>29.04.2021</a:t>
             </a:fld>
             <a:endParaRPr lang="ru-RU"/>
           </a:p>
@@ -1188,7 +1188,7 @@
           <a:p>
             <a:fld id="{3134C275-26C0-42CD-9111-9ADE65922AF9}" type="datetime1">
               <a:rPr lang="ru-RU" smtClean="0"/>
-              <a:t>06.05.2020</a:t>
+              <a:t>29.04.2021</a:t>
             </a:fld>
             <a:endParaRPr lang="ru-RU"/>
           </a:p>
@@ -1362,7 +1362,7 @@
           <a:p>
             <a:fld id="{C1A9A50B-C350-45F5-8AAB-ADB9E670AF2E}" type="datetime1">
               <a:rPr lang="ru-RU" smtClean="0"/>
-              <a:t>06.05.2020</a:t>
+              <a:t>29.04.2021</a:t>
             </a:fld>
             <a:endParaRPr lang="ru-RU"/>
           </a:p>
@@ -1612,7 +1612,7 @@
           <a:p>
             <a:fld id="{089688C9-348F-42F9-B6C0-5990DDE0C5B2}" type="datetime1">
               <a:rPr lang="ru-RU" smtClean="0"/>
-              <a:t>06.05.2020</a:t>
+              <a:t>29.04.2021</a:t>
             </a:fld>
             <a:endParaRPr lang="ru-RU"/>
           </a:p>
@@ -1848,7 +1848,7 @@
           <a:p>
             <a:fld id="{684AFD8F-6DD9-4AD3-A505-FDC3F5C5F3F6}" type="datetime1">
               <a:rPr lang="ru-RU" smtClean="0"/>
-              <a:t>06.05.2020</a:t>
+              <a:t>29.04.2021</a:t>
             </a:fld>
             <a:endParaRPr lang="ru-RU"/>
           </a:p>
@@ -2219,7 +2219,7 @@
           <a:p>
             <a:fld id="{63551EFE-4D02-45EB-A747-8B6F047B5AA0}" type="datetime1">
               <a:rPr lang="ru-RU" smtClean="0"/>
-              <a:t>06.05.2020</a:t>
+              <a:t>29.04.2021</a:t>
             </a:fld>
             <a:endParaRPr lang="ru-RU"/>
           </a:p>
@@ -2341,7 +2341,7 @@
           <a:p>
             <a:fld id="{813A9F34-E5CD-4B8F-AA9E-889C84372B20}" type="datetime1">
               <a:rPr lang="ru-RU" smtClean="0"/>
-              <a:t>06.05.2020</a:t>
+              <a:t>29.04.2021</a:t>
             </a:fld>
             <a:endParaRPr lang="ru-RU"/>
           </a:p>
@@ -2440,7 +2440,7 @@
           <a:p>
             <a:fld id="{51224D22-9B29-44A6-8E82-95FC492DEDC1}" type="datetime1">
               <a:rPr lang="ru-RU" smtClean="0"/>
-              <a:t>06.05.2020</a:t>
+              <a:t>29.04.2021</a:t>
             </a:fld>
             <a:endParaRPr lang="ru-RU"/>
           </a:p>
@@ -2721,7 +2721,7 @@
           <a:p>
             <a:fld id="{91D1034F-4441-48A1-BDC0-25EA1022324A}" type="datetime1">
               <a:rPr lang="ru-RU" smtClean="0"/>
-              <a:t>06.05.2020</a:t>
+              <a:t>29.04.2021</a:t>
             </a:fld>
             <a:endParaRPr lang="ru-RU"/>
           </a:p>
@@ -2978,7 +2978,7 @@
           <a:p>
             <a:fld id="{B0FFDE79-B627-473B-AE17-4C65BD2495F7}" type="datetime1">
               <a:rPr lang="ru-RU" smtClean="0"/>
-              <a:t>06.05.2020</a:t>
+              <a:t>29.04.2021</a:t>
             </a:fld>
             <a:endParaRPr lang="ru-RU"/>
           </a:p>
@@ -3195,7 +3195,7 @@
           <a:p>
             <a:fld id="{11CA537A-1B8C-47BA-9BA6-7CE3FAFDA8BE}" type="datetime1">
               <a:rPr lang="ru-RU" smtClean="0"/>
-              <a:t>06.05.2020</a:t>
+              <a:t>29.04.2021</a:t>
             </a:fld>
             <a:endParaRPr lang="ru-RU"/>
           </a:p>
@@ -5593,8 +5593,8 @@
           </a:p>
         </p:txBody>
       </p:sp>
-      <mc:AlternateContent xmlns:mc="http://schemas.openxmlformats.org/markup-compatibility/2006" xmlns:a14="http://schemas.microsoft.com/office/drawing/2010/main">
-        <mc:Choice Requires="a14">
+      <mc:AlternateContent xmlns:mc="http://schemas.openxmlformats.org/markup-compatibility/2006">
+        <mc:Choice xmlns:a14="http://schemas.microsoft.com/office/drawing/2010/main" Requires="a14">
           <p:sp>
             <p:nvSpPr>
               <p:cNvPr id="3" name="Объект 2"/>
@@ -5735,7 +5735,7 @@
                           <a:rPr lang="en-US" b="0" i="1" smtClean="0">
                             <a:latin typeface="Cambria Math" panose="02040503050406030204" pitchFamily="18" charset="0"/>
                           </a:rPr>
-                          <m:t>𝐶</m:t>
+                          <m:t>𝑌</m:t>
                         </m:r>
                       </m:e>
                     </m:d>
@@ -6160,7 +6160,7 @@
             </p:txBody>
           </p:sp>
         </mc:Choice>
-        <mc:Fallback xmlns="">
+        <mc:Fallback>
           <p:sp>
             <p:nvSpPr>
               <p:cNvPr id="3" name="Объект 2"/>
@@ -6281,8 +6281,8 @@
           </a:p>
         </p:txBody>
       </p:sp>
-      <mc:AlternateContent xmlns:mc="http://schemas.openxmlformats.org/markup-compatibility/2006">
-        <mc:Choice xmlns:a14="http://schemas.microsoft.com/office/drawing/2010/main" Requires="a14">
+      <mc:AlternateContent xmlns:mc="http://schemas.openxmlformats.org/markup-compatibility/2006" xmlns:a14="http://schemas.microsoft.com/office/drawing/2010/main">
+        <mc:Choice Requires="a14">
           <p:sp>
             <p:nvSpPr>
               <p:cNvPr id="3" name="Объект 2"/>
@@ -6572,7 +6572,7 @@
             </p:txBody>
           </p:sp>
         </mc:Choice>
-        <mc:Fallback>
+        <mc:Fallback xmlns="">
           <p:sp>
             <p:nvSpPr>
               <p:cNvPr id="3" name="Объект 2"/>
@@ -8817,8 +8817,8 @@
           </a:p>
         </p:txBody>
       </p:sp>
-      <mc:AlternateContent xmlns:mc="http://schemas.openxmlformats.org/markup-compatibility/2006">
-        <mc:Choice xmlns:a14="http://schemas.microsoft.com/office/drawing/2010/main" Requires="a14">
+      <mc:AlternateContent xmlns:mc="http://schemas.openxmlformats.org/markup-compatibility/2006" xmlns:a14="http://schemas.microsoft.com/office/drawing/2010/main">
+        <mc:Choice Requires="a14">
           <p:sp>
             <p:nvSpPr>
               <p:cNvPr id="3" name="Объект 2"/>
@@ -8851,11 +8851,7 @@
                 </a14:m>
                 <a:r>
                   <a:rPr lang="ru-RU" sz="2400" dirty="0" smtClean="0"/>
-                  <a:t> – циклическая группа </a:t>
-                </a:r>
-                <a:r>
-                  <a:rPr lang="ru-RU" sz="2400" dirty="0" smtClean="0"/>
-                  <a:t>порядка </a:t>
+                  <a:t> – циклическая группа порядка </a:t>
                 </a:r>
                 <a14:m>
                   <m:oMath xmlns:m="http://schemas.openxmlformats.org/officeDocument/2006/math">
@@ -9340,7 +9336,7 @@
             </p:txBody>
           </p:sp>
         </mc:Choice>
-        <mc:Fallback>
+        <mc:Fallback xmlns="">
           <p:sp>
             <p:nvSpPr>
               <p:cNvPr id="3" name="Объект 2"/>
@@ -10349,8 +10345,8 @@
           </a:p>
         </p:txBody>
       </p:sp>
-      <mc:AlternateContent xmlns:mc="http://schemas.openxmlformats.org/markup-compatibility/2006" xmlns:a14="http://schemas.microsoft.com/office/drawing/2010/main">
-        <mc:Choice Requires="a14">
+      <mc:AlternateContent xmlns:mc="http://schemas.openxmlformats.org/markup-compatibility/2006">
+        <mc:Choice xmlns:a14="http://schemas.microsoft.com/office/drawing/2010/main" Requires="a14">
           <p:sp>
             <p:nvSpPr>
               <p:cNvPr id="5" name="Объект 2"/>
@@ -10942,14 +10938,30 @@
                 </a:r>
                 <a:r>
                   <a:rPr lang="ru-RU" dirty="0" smtClean="0"/>
-                  <a:t>стойким, если противник, пары сообщение-подпись не может сформировать новую подпись.</a:t>
+                  <a:t>стойким, если противник</a:t>
+                </a:r>
+                <a:r>
+                  <a:rPr lang="ru-RU" dirty="0" smtClean="0"/>
+                  <a:t>,</a:t>
+                </a:r>
+                <a:r>
+                  <a:rPr lang="en-US" dirty="0" smtClean="0"/>
+                  <a:t> </a:t>
+                </a:r>
+                <a:r>
+                  <a:rPr lang="ru-RU" smtClean="0"/>
+                  <a:t>имея </a:t>
+                </a:r>
+                <a:r>
+                  <a:rPr lang="ru-RU" dirty="0" smtClean="0"/>
+                  <a:t>пары сообщение-подпись не может сформировать новую подпись.</a:t>
                 </a:r>
                 <a:endParaRPr lang="ru-RU" dirty="0"/>
               </a:p>
             </p:txBody>
           </p:sp>
         </mc:Choice>
-        <mc:Fallback xmlns="">
+        <mc:Fallback>
           <p:sp>
             <p:nvSpPr>
               <p:cNvPr id="5" name="Объект 2"/>
@@ -11055,8 +11067,8 @@
           </a:p>
         </p:txBody>
       </p:sp>
-      <mc:AlternateContent xmlns:mc="http://schemas.openxmlformats.org/markup-compatibility/2006">
-        <mc:Choice xmlns:a14="http://schemas.microsoft.com/office/drawing/2010/main" Requires="a14">
+      <mc:AlternateContent xmlns:mc="http://schemas.openxmlformats.org/markup-compatibility/2006" xmlns:a14="http://schemas.microsoft.com/office/drawing/2010/main">
+        <mc:Choice Requires="a14">
           <p:sp>
             <p:nvSpPr>
               <p:cNvPr id="3" name="Объект 2"/>
@@ -11341,7 +11353,7 @@
             </p:txBody>
           </p:sp>
         </mc:Choice>
-        <mc:Fallback>
+        <mc:Fallback xmlns="">
           <p:sp>
             <p:nvSpPr>
               <p:cNvPr id="3" name="Объект 2"/>
@@ -12306,8 +12318,8 @@
           </a:p>
         </p:txBody>
       </p:sp>
-      <mc:AlternateContent xmlns:mc="http://schemas.openxmlformats.org/markup-compatibility/2006">
-        <mc:Choice xmlns:a14="http://schemas.microsoft.com/office/drawing/2010/main" Requires="a14">
+      <mc:AlternateContent xmlns:mc="http://schemas.openxmlformats.org/markup-compatibility/2006" xmlns:a14="http://schemas.microsoft.com/office/drawing/2010/main">
+        <mc:Choice Requires="a14">
           <p:sp>
             <p:nvSpPr>
               <p:cNvPr id="3" name="Объект 2"/>
@@ -12696,7 +12708,7 @@
             </p:txBody>
           </p:sp>
         </mc:Choice>
-        <mc:Fallback>
+        <mc:Fallback xmlns="">
           <p:sp>
             <p:nvSpPr>
               <p:cNvPr id="3" name="Объект 2"/>
@@ -18516,8 +18528,8 @@
           </a:p>
         </p:txBody>
       </p:sp>
-      <mc:AlternateContent xmlns:mc="http://schemas.openxmlformats.org/markup-compatibility/2006">
-        <mc:Choice xmlns:p14="http://schemas.microsoft.com/office/powerpoint/2010/main" Requires="p14">
+      <mc:AlternateContent xmlns:mc="http://schemas.openxmlformats.org/markup-compatibility/2006" xmlns:p14="http://schemas.microsoft.com/office/powerpoint/2010/main">
+        <mc:Choice Requires="p14">
           <p:contentPart p14:bwMode="auto" r:id="rId3">
             <p14:nvContentPartPr>
               <p14:cNvPr id="22" name="Ink 7"/>
@@ -18530,7 +18542,7 @@
             </p14:xfrm>
           </p:contentPart>
         </mc:Choice>
-        <mc:Fallback>
+        <mc:Fallback xmlns="">
           <p:pic>
             <p:nvPicPr>
               <p:cNvPr id="22" name="Ink 7"/>

--- a/Lectures/PublicKeyLite.pptx
+++ b/Lectures/PublicKeyLite.pptx
@@ -323,7 +323,7 @@
           <a:p>
             <a:fld id="{CBA08D16-15DC-4E25-BDC3-F25146157B16}" type="datetimeFigureOut">
               <a:rPr lang="ru-RU" smtClean="0"/>
-              <a:t>29.04.2021</a:t>
+              <a:t>28.04.2022</a:t>
             </a:fld>
             <a:endParaRPr lang="ru-RU"/>
           </a:p>
@@ -830,7 +830,7 @@
           <a:p>
             <a:fld id="{FCEC8293-DB51-454A-BE81-EC8FCB31EBA2}" type="datetime1">
               <a:rPr lang="ru-RU" smtClean="0"/>
-              <a:t>29.04.2021</a:t>
+              <a:t>28.04.2022</a:t>
             </a:fld>
             <a:endParaRPr lang="ru-RU"/>
           </a:p>
@@ -1004,7 +1004,7 @@
           <a:p>
             <a:fld id="{241C87B1-1C35-4DBD-BC18-2BC72E776603}" type="datetime1">
               <a:rPr lang="ru-RU" smtClean="0"/>
-              <a:t>29.04.2021</a:t>
+              <a:t>28.04.2022</a:t>
             </a:fld>
             <a:endParaRPr lang="ru-RU"/>
           </a:p>
@@ -1188,7 +1188,7 @@
           <a:p>
             <a:fld id="{3134C275-26C0-42CD-9111-9ADE65922AF9}" type="datetime1">
               <a:rPr lang="ru-RU" smtClean="0"/>
-              <a:t>29.04.2021</a:t>
+              <a:t>28.04.2022</a:t>
             </a:fld>
             <a:endParaRPr lang="ru-RU"/>
           </a:p>
@@ -1362,7 +1362,7 @@
           <a:p>
             <a:fld id="{C1A9A50B-C350-45F5-8AAB-ADB9E670AF2E}" type="datetime1">
               <a:rPr lang="ru-RU" smtClean="0"/>
-              <a:t>29.04.2021</a:t>
+              <a:t>28.04.2022</a:t>
             </a:fld>
             <a:endParaRPr lang="ru-RU"/>
           </a:p>
@@ -1612,7 +1612,7 @@
           <a:p>
             <a:fld id="{089688C9-348F-42F9-B6C0-5990DDE0C5B2}" type="datetime1">
               <a:rPr lang="ru-RU" smtClean="0"/>
-              <a:t>29.04.2021</a:t>
+              <a:t>28.04.2022</a:t>
             </a:fld>
             <a:endParaRPr lang="ru-RU"/>
           </a:p>
@@ -1848,7 +1848,7 @@
           <a:p>
             <a:fld id="{684AFD8F-6DD9-4AD3-A505-FDC3F5C5F3F6}" type="datetime1">
               <a:rPr lang="ru-RU" smtClean="0"/>
-              <a:t>29.04.2021</a:t>
+              <a:t>28.04.2022</a:t>
             </a:fld>
             <a:endParaRPr lang="ru-RU"/>
           </a:p>
@@ -2219,7 +2219,7 @@
           <a:p>
             <a:fld id="{63551EFE-4D02-45EB-A747-8B6F047B5AA0}" type="datetime1">
               <a:rPr lang="ru-RU" smtClean="0"/>
-              <a:t>29.04.2021</a:t>
+              <a:t>28.04.2022</a:t>
             </a:fld>
             <a:endParaRPr lang="ru-RU"/>
           </a:p>
@@ -2341,7 +2341,7 @@
           <a:p>
             <a:fld id="{813A9F34-E5CD-4B8F-AA9E-889C84372B20}" type="datetime1">
               <a:rPr lang="ru-RU" smtClean="0"/>
-              <a:t>29.04.2021</a:t>
+              <a:t>28.04.2022</a:t>
             </a:fld>
             <a:endParaRPr lang="ru-RU"/>
           </a:p>
@@ -2440,7 +2440,7 @@
           <a:p>
             <a:fld id="{51224D22-9B29-44A6-8E82-95FC492DEDC1}" type="datetime1">
               <a:rPr lang="ru-RU" smtClean="0"/>
-              <a:t>29.04.2021</a:t>
+              <a:t>28.04.2022</a:t>
             </a:fld>
             <a:endParaRPr lang="ru-RU"/>
           </a:p>
@@ -2721,7 +2721,7 @@
           <a:p>
             <a:fld id="{91D1034F-4441-48A1-BDC0-25EA1022324A}" type="datetime1">
               <a:rPr lang="ru-RU" smtClean="0"/>
-              <a:t>29.04.2021</a:t>
+              <a:t>28.04.2022</a:t>
             </a:fld>
             <a:endParaRPr lang="ru-RU"/>
           </a:p>
@@ -2978,7 +2978,7 @@
           <a:p>
             <a:fld id="{B0FFDE79-B627-473B-AE17-4C65BD2495F7}" type="datetime1">
               <a:rPr lang="ru-RU" smtClean="0"/>
-              <a:t>29.04.2021</a:t>
+              <a:t>28.04.2022</a:t>
             </a:fld>
             <a:endParaRPr lang="ru-RU"/>
           </a:p>
@@ -3195,7 +3195,7 @@
           <a:p>
             <a:fld id="{11CA537A-1B8C-47BA-9BA6-7CE3FAFDA8BE}" type="datetime1">
               <a:rPr lang="ru-RU" smtClean="0"/>
-              <a:t>29.04.2021</a:t>
+              <a:t>28.04.2022</a:t>
             </a:fld>
             <a:endParaRPr lang="ru-RU"/>
           </a:p>
@@ -5593,8 +5593,8 @@
           </a:p>
         </p:txBody>
       </p:sp>
-      <mc:AlternateContent xmlns:mc="http://schemas.openxmlformats.org/markup-compatibility/2006">
-        <mc:Choice xmlns:a14="http://schemas.microsoft.com/office/drawing/2010/main" Requires="a14">
+      <mc:AlternateContent xmlns:mc="http://schemas.openxmlformats.org/markup-compatibility/2006" xmlns:a14="http://schemas.microsoft.com/office/drawing/2010/main">
+        <mc:Choice Requires="a14">
           <p:sp>
             <p:nvSpPr>
               <p:cNvPr id="3" name="Объект 2"/>
@@ -6160,7 +6160,7 @@
             </p:txBody>
           </p:sp>
         </mc:Choice>
-        <mc:Fallback>
+        <mc:Fallback xmlns="">
           <p:sp>
             <p:nvSpPr>
               <p:cNvPr id="3" name="Объект 2"/>
@@ -10365,7 +10365,7 @@
             </p:spPr>
             <p:txBody>
               <a:bodyPr>
-                <a:normAutofit/>
+                <a:normAutofit lnSpcReduction="10000"/>
               </a:bodyPr>
               <a:lstStyle/>
               <a:p>
@@ -10938,19 +10938,19 @@
                 </a:r>
                 <a:r>
                   <a:rPr lang="ru-RU" dirty="0" smtClean="0"/>
-                  <a:t>стойким, если противник</a:t>
-                </a:r>
-                <a:r>
-                  <a:rPr lang="ru-RU" dirty="0" smtClean="0"/>
-                  <a:t>,</a:t>
+                  <a:t>стойким, если противник,</a:t>
                 </a:r>
                 <a:r>
                   <a:rPr lang="en-US" dirty="0" smtClean="0"/>
                   <a:t> </a:t>
                 </a:r>
                 <a:r>
+                  <a:rPr lang="ru-RU" dirty="0" smtClean="0"/>
+                  <a:t>имея </a:t>
+                </a:r>
+                <a:r>
                   <a:rPr lang="ru-RU" smtClean="0"/>
-                  <a:t>имея </a:t>
+                  <a:t>открытый ключ и </a:t>
                 </a:r>
                 <a:r>
                   <a:rPr lang="ru-RU" dirty="0" smtClean="0"/>
@@ -10980,7 +10980,7 @@
               <a:blipFill>
                 <a:blip r:embed="rId2"/>
                 <a:stretch>
-                  <a:fillRect l="-1043" t="-2101" b="-140"/>
+                  <a:fillRect l="-1043" t="-2801"/>
                 </a:stretch>
               </a:blipFill>
             </p:spPr>

--- a/Lectures/PublicKeyLite.pptx
+++ b/Lectures/PublicKeyLite.pptx
@@ -323,7 +323,7 @@
           <a:p>
             <a:fld id="{CBA08D16-15DC-4E25-BDC3-F25146157B16}" type="datetimeFigureOut">
               <a:rPr lang="ru-RU" smtClean="0"/>
-              <a:t>28.04.2022</a:t>
+              <a:t>18.04.2024</a:t>
             </a:fld>
             <a:endParaRPr lang="ru-RU"/>
           </a:p>
@@ -830,7 +830,7 @@
           <a:p>
             <a:fld id="{FCEC8293-DB51-454A-BE81-EC8FCB31EBA2}" type="datetime1">
               <a:rPr lang="ru-RU" smtClean="0"/>
-              <a:t>28.04.2022</a:t>
+              <a:t>18.04.2024</a:t>
             </a:fld>
             <a:endParaRPr lang="ru-RU"/>
           </a:p>
@@ -1004,7 +1004,7 @@
           <a:p>
             <a:fld id="{241C87B1-1C35-4DBD-BC18-2BC72E776603}" type="datetime1">
               <a:rPr lang="ru-RU" smtClean="0"/>
-              <a:t>28.04.2022</a:t>
+              <a:t>18.04.2024</a:t>
             </a:fld>
             <a:endParaRPr lang="ru-RU"/>
           </a:p>
@@ -1188,7 +1188,7 @@
           <a:p>
             <a:fld id="{3134C275-26C0-42CD-9111-9ADE65922AF9}" type="datetime1">
               <a:rPr lang="ru-RU" smtClean="0"/>
-              <a:t>28.04.2022</a:t>
+              <a:t>18.04.2024</a:t>
             </a:fld>
             <a:endParaRPr lang="ru-RU"/>
           </a:p>
@@ -1362,7 +1362,7 @@
           <a:p>
             <a:fld id="{C1A9A50B-C350-45F5-8AAB-ADB9E670AF2E}" type="datetime1">
               <a:rPr lang="ru-RU" smtClean="0"/>
-              <a:t>28.04.2022</a:t>
+              <a:t>18.04.2024</a:t>
             </a:fld>
             <a:endParaRPr lang="ru-RU"/>
           </a:p>
@@ -1612,7 +1612,7 @@
           <a:p>
             <a:fld id="{089688C9-348F-42F9-B6C0-5990DDE0C5B2}" type="datetime1">
               <a:rPr lang="ru-RU" smtClean="0"/>
-              <a:t>28.04.2022</a:t>
+              <a:t>18.04.2024</a:t>
             </a:fld>
             <a:endParaRPr lang="ru-RU"/>
           </a:p>
@@ -1848,7 +1848,7 @@
           <a:p>
             <a:fld id="{684AFD8F-6DD9-4AD3-A505-FDC3F5C5F3F6}" type="datetime1">
               <a:rPr lang="ru-RU" smtClean="0"/>
-              <a:t>28.04.2022</a:t>
+              <a:t>18.04.2024</a:t>
             </a:fld>
             <a:endParaRPr lang="ru-RU"/>
           </a:p>
@@ -2219,7 +2219,7 @@
           <a:p>
             <a:fld id="{63551EFE-4D02-45EB-A747-8B6F047B5AA0}" type="datetime1">
               <a:rPr lang="ru-RU" smtClean="0"/>
-              <a:t>28.04.2022</a:t>
+              <a:t>18.04.2024</a:t>
             </a:fld>
             <a:endParaRPr lang="ru-RU"/>
           </a:p>
@@ -2341,7 +2341,7 @@
           <a:p>
             <a:fld id="{813A9F34-E5CD-4B8F-AA9E-889C84372B20}" type="datetime1">
               <a:rPr lang="ru-RU" smtClean="0"/>
-              <a:t>28.04.2022</a:t>
+              <a:t>18.04.2024</a:t>
             </a:fld>
             <a:endParaRPr lang="ru-RU"/>
           </a:p>
@@ -2440,7 +2440,7 @@
           <a:p>
             <a:fld id="{51224D22-9B29-44A6-8E82-95FC492DEDC1}" type="datetime1">
               <a:rPr lang="ru-RU" smtClean="0"/>
-              <a:t>28.04.2022</a:t>
+              <a:t>18.04.2024</a:t>
             </a:fld>
             <a:endParaRPr lang="ru-RU"/>
           </a:p>
@@ -2721,7 +2721,7 @@
           <a:p>
             <a:fld id="{91D1034F-4441-48A1-BDC0-25EA1022324A}" type="datetime1">
               <a:rPr lang="ru-RU" smtClean="0"/>
-              <a:t>28.04.2022</a:t>
+              <a:t>18.04.2024</a:t>
             </a:fld>
             <a:endParaRPr lang="ru-RU"/>
           </a:p>
@@ -2978,7 +2978,7 @@
           <a:p>
             <a:fld id="{B0FFDE79-B627-473B-AE17-4C65BD2495F7}" type="datetime1">
               <a:rPr lang="ru-RU" smtClean="0"/>
-              <a:t>28.04.2022</a:t>
+              <a:t>18.04.2024</a:t>
             </a:fld>
             <a:endParaRPr lang="ru-RU"/>
           </a:p>
@@ -3195,7 +3195,7 @@
           <a:p>
             <a:fld id="{11CA537A-1B8C-47BA-9BA6-7CE3FAFDA8BE}" type="datetime1">
               <a:rPr lang="ru-RU" smtClean="0"/>
-              <a:t>28.04.2022</a:t>
+              <a:t>18.04.2024</a:t>
             </a:fld>
             <a:endParaRPr lang="ru-RU"/>
           </a:p>
@@ -10345,8 +10345,8 @@
           </a:p>
         </p:txBody>
       </p:sp>
-      <mc:AlternateContent xmlns:mc="http://schemas.openxmlformats.org/markup-compatibility/2006">
-        <mc:Choice xmlns:a14="http://schemas.microsoft.com/office/drawing/2010/main" Requires="a14">
+      <mc:AlternateContent xmlns:mc="http://schemas.openxmlformats.org/markup-compatibility/2006" xmlns:a14="http://schemas.microsoft.com/office/drawing/2010/main">
+        <mc:Choice Requires="a14">
           <p:sp>
             <p:nvSpPr>
               <p:cNvPr id="5" name="Объект 2"/>
@@ -10961,7 +10961,7 @@
             </p:txBody>
           </p:sp>
         </mc:Choice>
-        <mc:Fallback>
+        <mc:Fallback xmlns="">
           <p:sp>
             <p:nvSpPr>
               <p:cNvPr id="5" name="Объект 2"/>
@@ -14239,7 +14239,19 @@
           <a:p>
             <a:r>
               <a:rPr lang="ru-RU" dirty="0" smtClean="0"/>
-              <a:t>Группа точек эллиптических кривых</a:t>
+              <a:t>Группа точек </a:t>
+            </a:r>
+            <a:r>
+              <a:rPr lang="ru-RU" dirty="0" smtClean="0"/>
+              <a:t>эллиптическ</a:t>
+            </a:r>
+            <a:r>
+              <a:rPr lang="ru-RU" dirty="0" smtClean="0"/>
+              <a:t>ой</a:t>
+            </a:r>
+            <a:r>
+              <a:rPr lang="ru-RU" dirty="0" smtClean="0"/>
+              <a:t> кривой</a:t>
             </a:r>
             <a:endParaRPr lang="ru-RU" dirty="0"/>
           </a:p>
@@ -15502,7 +15514,11 @@
           <a:p>
             <a:r>
               <a:rPr lang="ru-RU" dirty="0" smtClean="0"/>
-              <a:t>Группа точек эллиптических кривых</a:t>
+              <a:t>Группа точек </a:t>
+            </a:r>
+            <a:r>
+              <a:rPr lang="ru-RU" dirty="0"/>
+              <a:t>эллиптической кривой</a:t>
             </a:r>
             <a:endParaRPr lang="ru-RU" dirty="0"/>
           </a:p>
@@ -15805,7 +15821,15 @@
           <a:p>
             <a:r>
               <a:rPr lang="ru-RU" dirty="0" smtClean="0"/>
-              <a:t>Группа точек эллиптических кривых</a:t>
+              <a:t>Группа </a:t>
+            </a:r>
+            <a:r>
+              <a:rPr lang="ru-RU" smtClean="0"/>
+              <a:t>точек </a:t>
+            </a:r>
+            <a:r>
+              <a:rPr lang="ru-RU"/>
+              <a:t>эллиптической кривой</a:t>
             </a:r>
             <a:endParaRPr lang="ru-RU" dirty="0"/>
           </a:p>
